--- a/Agilni_plan.pptx
+++ b/Agilni_plan.pptx
@@ -4,14 +4,15 @@
   <p:sldMasterIdLst>
     <p:sldMasterId id="2147483648" r:id="rId2"/>
     <p:sldMasterId id="2147483661" r:id="rId3"/>
+    <p:sldMasterId id="2147483674" r:id="rId4"/>
   </p:sldMasterIdLst>
   <p:sldIdLst>
-    <p:sldId id="256" r:id="rId4"/>
-    <p:sldId id="257" r:id="rId5"/>
-    <p:sldId id="258" r:id="rId6"/>
-    <p:sldId id="259" r:id="rId7"/>
-    <p:sldId id="260" r:id="rId8"/>
-    <p:sldId id="261" r:id="rId9"/>
+    <p:sldId id="256" r:id="rId5"/>
+    <p:sldId id="257" r:id="rId6"/>
+    <p:sldId id="258" r:id="rId7"/>
+    <p:sldId id="259" r:id="rId8"/>
+    <p:sldId id="260" r:id="rId9"/>
+    <p:sldId id="261" r:id="rId10"/>
   </p:sldIdLst>
   <p:sldSz cx="10080625" cy="7559675"/>
   <p:notesSz cx="7772400" cy="10058400"/>
@@ -69,8 +70,8 @@
         </p:nvSpPr>
         <p:spPr>
           <a:xfrm>
-            <a:off x="504000" y="301320"/>
-            <a:ext cx="9071280" cy="1262520"/>
+            <a:off x="504000" y="287640"/>
+            <a:ext cx="9072720" cy="1248480"/>
           </a:xfrm>
           <a:prstGeom prst="rect">
             <a:avLst/>
@@ -96,8 +97,8 @@
         </p:nvSpPr>
         <p:spPr>
           <a:xfrm>
-            <a:off x="504000" y="1769040"/>
-            <a:ext cx="9071280" cy="2090880"/>
+            <a:off x="504000" y="1823760"/>
+            <a:ext cx="9072720" cy="2090880"/>
           </a:xfrm>
           <a:prstGeom prst="rect">
             <a:avLst/>
@@ -122,8 +123,8 @@
         </p:nvSpPr>
         <p:spPr>
           <a:xfrm>
-            <a:off x="504000" y="4059000"/>
-            <a:ext cx="9071280" cy="2090880"/>
+            <a:off x="504000" y="4113720"/>
+            <a:ext cx="9072720" cy="2090880"/>
           </a:xfrm>
           <a:prstGeom prst="rect">
             <a:avLst/>
@@ -170,8 +171,8 @@
         </p:nvSpPr>
         <p:spPr>
           <a:xfrm>
-            <a:off x="504000" y="301320"/>
-            <a:ext cx="9071280" cy="1262520"/>
+            <a:off x="504000" y="287640"/>
+            <a:ext cx="9072720" cy="1248480"/>
           </a:xfrm>
           <a:prstGeom prst="rect">
             <a:avLst/>
@@ -197,8 +198,8 @@
         </p:nvSpPr>
         <p:spPr>
           <a:xfrm>
-            <a:off x="504000" y="1769040"/>
-            <a:ext cx="4426560" cy="2090880"/>
+            <a:off x="504000" y="1823760"/>
+            <a:ext cx="4427280" cy="2090880"/>
           </a:xfrm>
           <a:prstGeom prst="rect">
             <a:avLst/>
@@ -223,8 +224,8 @@
         </p:nvSpPr>
         <p:spPr>
           <a:xfrm>
-            <a:off x="5152320" y="1769040"/>
-            <a:ext cx="4426560" cy="2090880"/>
+            <a:off x="5153040" y="1823760"/>
+            <a:ext cx="4427280" cy="2090880"/>
           </a:xfrm>
           <a:prstGeom prst="rect">
             <a:avLst/>
@@ -249,8 +250,8 @@
         </p:nvSpPr>
         <p:spPr>
           <a:xfrm>
-            <a:off x="5152320" y="4059000"/>
-            <a:ext cx="4426560" cy="2090880"/>
+            <a:off x="5153040" y="4113720"/>
+            <a:ext cx="4427280" cy="2090880"/>
           </a:xfrm>
           <a:prstGeom prst="rect">
             <a:avLst/>
@@ -275,8 +276,8 @@
         </p:nvSpPr>
         <p:spPr>
           <a:xfrm>
-            <a:off x="504000" y="4059000"/>
-            <a:ext cx="4426560" cy="2090880"/>
+            <a:off x="504000" y="4113720"/>
+            <a:ext cx="4427280" cy="2090880"/>
           </a:xfrm>
           <a:prstGeom prst="rect">
             <a:avLst/>
@@ -323,8 +324,8 @@
         </p:nvSpPr>
         <p:spPr>
           <a:xfrm>
-            <a:off x="504000" y="301320"/>
-            <a:ext cx="9071280" cy="1262520"/>
+            <a:off x="504000" y="287640"/>
+            <a:ext cx="9072720" cy="1248480"/>
           </a:xfrm>
           <a:prstGeom prst="rect">
             <a:avLst/>
@@ -350,8 +351,8 @@
         </p:nvSpPr>
         <p:spPr>
           <a:xfrm>
-            <a:off x="504000" y="1769040"/>
-            <a:ext cx="9071280" cy="4384080"/>
+            <a:off x="504000" y="1823760"/>
+            <a:ext cx="9072720" cy="4384080"/>
           </a:xfrm>
           <a:prstGeom prst="rect">
             <a:avLst/>
@@ -376,8 +377,8 @@
         </p:nvSpPr>
         <p:spPr>
           <a:xfrm>
-            <a:off x="504000" y="1769040"/>
-            <a:ext cx="9071280" cy="4384080"/>
+            <a:off x="504000" y="1823760"/>
+            <a:ext cx="9072720" cy="4384080"/>
           </a:xfrm>
           <a:prstGeom prst="rect">
             <a:avLst/>
@@ -404,7 +405,7 @@
         </p:blipFill>
         <p:spPr>
           <a:xfrm>
-            <a:off x="2292120" y="1769040"/>
+            <a:off x="2292840" y="1823760"/>
             <a:ext cx="5494680" cy="4384080"/>
           </a:xfrm>
           <a:prstGeom prst="rect">
@@ -429,7 +430,7 @@
         </p:blipFill>
         <p:spPr>
           <a:xfrm>
-            <a:off x="2292120" y="1769040"/>
+            <a:off x="2292840" y="1823760"/>
             <a:ext cx="5494680" cy="4384080"/>
           </a:xfrm>
           <a:prstGeom prst="rect">
@@ -496,8 +497,8 @@
         </p:nvSpPr>
         <p:spPr>
           <a:xfrm>
-            <a:off x="504000" y="301320"/>
-            <a:ext cx="9071280" cy="1262520"/>
+            <a:off x="504000" y="287640"/>
+            <a:ext cx="9072720" cy="1248480"/>
           </a:xfrm>
           <a:prstGeom prst="rect">
             <a:avLst/>
@@ -523,8 +524,8 @@
         </p:nvSpPr>
         <p:spPr>
           <a:xfrm>
-            <a:off x="504000" y="1769040"/>
-            <a:ext cx="9071280" cy="4384440"/>
+            <a:off x="504000" y="1823760"/>
+            <a:ext cx="9072720" cy="4384440"/>
           </a:xfrm>
           <a:prstGeom prst="rect">
             <a:avLst/>
@@ -572,8 +573,8 @@
         </p:nvSpPr>
         <p:spPr>
           <a:xfrm>
-            <a:off x="504000" y="301320"/>
-            <a:ext cx="9071280" cy="1262520"/>
+            <a:off x="504000" y="287640"/>
+            <a:ext cx="9072720" cy="1248480"/>
           </a:xfrm>
           <a:prstGeom prst="rect">
             <a:avLst/>
@@ -599,8 +600,8 @@
         </p:nvSpPr>
         <p:spPr>
           <a:xfrm>
-            <a:off x="504000" y="1769040"/>
-            <a:ext cx="9071280" cy="4384080"/>
+            <a:off x="504000" y="1823760"/>
+            <a:ext cx="9072720" cy="4384080"/>
           </a:xfrm>
           <a:prstGeom prst="rect">
             <a:avLst/>
@@ -647,8 +648,8 @@
         </p:nvSpPr>
         <p:spPr>
           <a:xfrm>
-            <a:off x="504000" y="301320"/>
-            <a:ext cx="9071280" cy="1262520"/>
+            <a:off x="504000" y="287640"/>
+            <a:ext cx="9072720" cy="1248480"/>
           </a:xfrm>
           <a:prstGeom prst="rect">
             <a:avLst/>
@@ -674,8 +675,8 @@
         </p:nvSpPr>
         <p:spPr>
           <a:xfrm>
-            <a:off x="504000" y="1769040"/>
-            <a:ext cx="4426560" cy="4384080"/>
+            <a:off x="504000" y="1823760"/>
+            <a:ext cx="4427280" cy="4384080"/>
           </a:xfrm>
           <a:prstGeom prst="rect">
             <a:avLst/>
@@ -700,8 +701,8 @@
         </p:nvSpPr>
         <p:spPr>
           <a:xfrm>
-            <a:off x="5152320" y="1769040"/>
-            <a:ext cx="4426560" cy="4384080"/>
+            <a:off x="5153040" y="1823760"/>
+            <a:ext cx="4427280" cy="4384080"/>
           </a:xfrm>
           <a:prstGeom prst="rect">
             <a:avLst/>
@@ -748,8 +749,8 @@
         </p:nvSpPr>
         <p:spPr>
           <a:xfrm>
-            <a:off x="504000" y="301320"/>
-            <a:ext cx="9071280" cy="1262520"/>
+            <a:off x="504000" y="287640"/>
+            <a:ext cx="9072720" cy="1248480"/>
           </a:xfrm>
           <a:prstGeom prst="rect">
             <a:avLst/>
@@ -797,8 +798,8 @@
         </p:nvSpPr>
         <p:spPr>
           <a:xfrm>
-            <a:off x="504000" y="301320"/>
-            <a:ext cx="9071280" cy="5852160"/>
+            <a:off x="504000" y="287640"/>
+            <a:ext cx="9072720" cy="5787360"/>
           </a:xfrm>
           <a:prstGeom prst="rect">
             <a:avLst/>
@@ -846,8 +847,8 @@
         </p:nvSpPr>
         <p:spPr>
           <a:xfrm>
-            <a:off x="504000" y="301320"/>
-            <a:ext cx="9071280" cy="1262520"/>
+            <a:off x="504000" y="287640"/>
+            <a:ext cx="9072720" cy="1248480"/>
           </a:xfrm>
           <a:prstGeom prst="rect">
             <a:avLst/>
@@ -873,8 +874,8 @@
         </p:nvSpPr>
         <p:spPr>
           <a:xfrm>
-            <a:off x="504000" y="1769040"/>
-            <a:ext cx="4426560" cy="2090880"/>
+            <a:off x="504000" y="1823760"/>
+            <a:ext cx="4427280" cy="2090880"/>
           </a:xfrm>
           <a:prstGeom prst="rect">
             <a:avLst/>
@@ -899,8 +900,8 @@
         </p:nvSpPr>
         <p:spPr>
           <a:xfrm>
-            <a:off x="504000" y="4059000"/>
-            <a:ext cx="4426560" cy="2090880"/>
+            <a:off x="504000" y="4113720"/>
+            <a:ext cx="4427280" cy="2090880"/>
           </a:xfrm>
           <a:prstGeom prst="rect">
             <a:avLst/>
@@ -925,8 +926,8 @@
         </p:nvSpPr>
         <p:spPr>
           <a:xfrm>
-            <a:off x="5152320" y="1769040"/>
-            <a:ext cx="4426560" cy="4384080"/>
+            <a:off x="5153040" y="1823760"/>
+            <a:ext cx="4427280" cy="4384080"/>
           </a:xfrm>
           <a:prstGeom prst="rect">
             <a:avLst/>
@@ -973,8 +974,8 @@
         </p:nvSpPr>
         <p:spPr>
           <a:xfrm>
-            <a:off x="504000" y="301320"/>
-            <a:ext cx="9071280" cy="1262520"/>
+            <a:off x="504000" y="287640"/>
+            <a:ext cx="9072720" cy="1248480"/>
           </a:xfrm>
           <a:prstGeom prst="rect">
             <a:avLst/>
@@ -1000,8 +1001,8 @@
         </p:nvSpPr>
         <p:spPr>
           <a:xfrm>
-            <a:off x="504000" y="1769040"/>
-            <a:ext cx="9071280" cy="4384440"/>
+            <a:off x="504000" y="1823760"/>
+            <a:ext cx="9072720" cy="4384440"/>
           </a:xfrm>
           <a:prstGeom prst="rect">
             <a:avLst/>
@@ -1049,8 +1050,8 @@
         </p:nvSpPr>
         <p:spPr>
           <a:xfrm>
-            <a:off x="504000" y="301320"/>
-            <a:ext cx="9071280" cy="1262520"/>
+            <a:off x="504000" y="287640"/>
+            <a:ext cx="9072720" cy="1248480"/>
           </a:xfrm>
           <a:prstGeom prst="rect">
             <a:avLst/>
@@ -1076,8 +1077,8 @@
         </p:nvSpPr>
         <p:spPr>
           <a:xfrm>
-            <a:off x="504000" y="1769040"/>
-            <a:ext cx="4426560" cy="4384080"/>
+            <a:off x="504000" y="1823760"/>
+            <a:ext cx="4427280" cy="4384080"/>
           </a:xfrm>
           <a:prstGeom prst="rect">
             <a:avLst/>
@@ -1102,8 +1103,8 @@
         </p:nvSpPr>
         <p:spPr>
           <a:xfrm>
-            <a:off x="5152320" y="1769040"/>
-            <a:ext cx="4426560" cy="2090880"/>
+            <a:off x="5153040" y="1823760"/>
+            <a:ext cx="4427280" cy="2090880"/>
           </a:xfrm>
           <a:prstGeom prst="rect">
             <a:avLst/>
@@ -1128,8 +1129,8 @@
         </p:nvSpPr>
         <p:spPr>
           <a:xfrm>
-            <a:off x="5152320" y="4059000"/>
-            <a:ext cx="4426560" cy="2090880"/>
+            <a:off x="5153040" y="4113720"/>
+            <a:ext cx="4427280" cy="2090880"/>
           </a:xfrm>
           <a:prstGeom prst="rect">
             <a:avLst/>
@@ -1176,8 +1177,8 @@
         </p:nvSpPr>
         <p:spPr>
           <a:xfrm>
-            <a:off x="504000" y="301320"/>
-            <a:ext cx="9071280" cy="1262520"/>
+            <a:off x="504000" y="287640"/>
+            <a:ext cx="9072720" cy="1248480"/>
           </a:xfrm>
           <a:prstGeom prst="rect">
             <a:avLst/>
@@ -1203,8 +1204,8 @@
         </p:nvSpPr>
         <p:spPr>
           <a:xfrm>
-            <a:off x="504000" y="1769040"/>
-            <a:ext cx="4426560" cy="2090880"/>
+            <a:off x="504000" y="1823760"/>
+            <a:ext cx="4427280" cy="2090880"/>
           </a:xfrm>
           <a:prstGeom prst="rect">
             <a:avLst/>
@@ -1229,8 +1230,8 @@
         </p:nvSpPr>
         <p:spPr>
           <a:xfrm>
-            <a:off x="5152320" y="1769040"/>
-            <a:ext cx="4426560" cy="2090880"/>
+            <a:off x="5153040" y="1823760"/>
+            <a:ext cx="4427280" cy="2090880"/>
           </a:xfrm>
           <a:prstGeom prst="rect">
             <a:avLst/>
@@ -1255,8 +1256,8 @@
         </p:nvSpPr>
         <p:spPr>
           <a:xfrm>
-            <a:off x="504000" y="4059000"/>
-            <a:ext cx="9071280" cy="2090880"/>
+            <a:off x="504000" y="4113720"/>
+            <a:ext cx="9072720" cy="2090880"/>
           </a:xfrm>
           <a:prstGeom prst="rect">
             <a:avLst/>
@@ -1303,8 +1304,8 @@
         </p:nvSpPr>
         <p:spPr>
           <a:xfrm>
-            <a:off x="504000" y="301320"/>
-            <a:ext cx="9071280" cy="1262520"/>
+            <a:off x="504000" y="287640"/>
+            <a:ext cx="9072720" cy="1248480"/>
           </a:xfrm>
           <a:prstGeom prst="rect">
             <a:avLst/>
@@ -1330,8 +1331,8 @@
         </p:nvSpPr>
         <p:spPr>
           <a:xfrm>
-            <a:off x="504000" y="1769040"/>
-            <a:ext cx="9071280" cy="2090880"/>
+            <a:off x="504000" y="1823760"/>
+            <a:ext cx="9072720" cy="2090880"/>
           </a:xfrm>
           <a:prstGeom prst="rect">
             <a:avLst/>
@@ -1356,8 +1357,8 @@
         </p:nvSpPr>
         <p:spPr>
           <a:xfrm>
-            <a:off x="504000" y="4059000"/>
-            <a:ext cx="9071280" cy="2090880"/>
+            <a:off x="504000" y="4113720"/>
+            <a:ext cx="9072720" cy="2090880"/>
           </a:xfrm>
           <a:prstGeom prst="rect">
             <a:avLst/>
@@ -1404,8 +1405,8 @@
         </p:nvSpPr>
         <p:spPr>
           <a:xfrm>
-            <a:off x="504000" y="301320"/>
-            <a:ext cx="9071280" cy="1262520"/>
+            <a:off x="504000" y="287640"/>
+            <a:ext cx="9072720" cy="1248480"/>
           </a:xfrm>
           <a:prstGeom prst="rect">
             <a:avLst/>
@@ -1431,8 +1432,8 @@
         </p:nvSpPr>
         <p:spPr>
           <a:xfrm>
-            <a:off x="504000" y="1769040"/>
-            <a:ext cx="4426560" cy="2090880"/>
+            <a:off x="504000" y="1823760"/>
+            <a:ext cx="4427280" cy="2090880"/>
           </a:xfrm>
           <a:prstGeom prst="rect">
             <a:avLst/>
@@ -1457,8 +1458,8 @@
         </p:nvSpPr>
         <p:spPr>
           <a:xfrm>
-            <a:off x="5152320" y="1769040"/>
-            <a:ext cx="4426560" cy="2090880"/>
+            <a:off x="5153040" y="1823760"/>
+            <a:ext cx="4427280" cy="2090880"/>
           </a:xfrm>
           <a:prstGeom prst="rect">
             <a:avLst/>
@@ -1483,8 +1484,8 @@
         </p:nvSpPr>
         <p:spPr>
           <a:xfrm>
-            <a:off x="5152320" y="4059000"/>
-            <a:ext cx="4426560" cy="2090880"/>
+            <a:off x="5153040" y="4113720"/>
+            <a:ext cx="4427280" cy="2090880"/>
           </a:xfrm>
           <a:prstGeom prst="rect">
             <a:avLst/>
@@ -1509,8 +1510,8 @@
         </p:nvSpPr>
         <p:spPr>
           <a:xfrm>
-            <a:off x="504000" y="4059000"/>
-            <a:ext cx="4426560" cy="2090880"/>
+            <a:off x="504000" y="4113720"/>
+            <a:ext cx="4427280" cy="2090880"/>
           </a:xfrm>
           <a:prstGeom prst="rect">
             <a:avLst/>
@@ -1557,8 +1558,8 @@
         </p:nvSpPr>
         <p:spPr>
           <a:xfrm>
-            <a:off x="504000" y="301320"/>
-            <a:ext cx="9071280" cy="1262520"/>
+            <a:off x="504000" y="287640"/>
+            <a:ext cx="9072720" cy="1248480"/>
           </a:xfrm>
           <a:prstGeom prst="rect">
             <a:avLst/>
@@ -1584,8 +1585,8 @@
         </p:nvSpPr>
         <p:spPr>
           <a:xfrm>
-            <a:off x="504000" y="1769040"/>
-            <a:ext cx="9071280" cy="4384080"/>
+            <a:off x="504000" y="1823760"/>
+            <a:ext cx="9072720" cy="4384080"/>
           </a:xfrm>
           <a:prstGeom prst="rect">
             <a:avLst/>
@@ -1610,8 +1611,8 @@
         </p:nvSpPr>
         <p:spPr>
           <a:xfrm>
-            <a:off x="504000" y="1769040"/>
-            <a:ext cx="9071280" cy="4384080"/>
+            <a:off x="504000" y="1823760"/>
+            <a:ext cx="9072720" cy="4384080"/>
           </a:xfrm>
           <a:prstGeom prst="rect">
             <a:avLst/>
@@ -1638,7 +1639,7 @@
         </p:blipFill>
         <p:spPr>
           <a:xfrm>
-            <a:off x="2292120" y="1769040"/>
+            <a:off x="2292840" y="1823760"/>
             <a:ext cx="5494680" cy="4384080"/>
           </a:xfrm>
           <a:prstGeom prst="rect">
@@ -1663,7 +1664,7 @@
         </p:blipFill>
         <p:spPr>
           <a:xfrm>
-            <a:off x="2292120" y="1769040"/>
+            <a:off x="2292840" y="1823760"/>
             <a:ext cx="5494680" cy="4384080"/>
           </a:xfrm>
           <a:prstGeom prst="rect">
@@ -1674,6 +1675,329 @@
           </a:ln>
         </p:spPr>
       </p:pic>
+    </p:spTree>
+  </p:cSld>
+</p:sldLayout>
+</file>
+
+<file path=ppt/slideLayouts/slideLayout25.xml><?xml version="1.0" encoding="utf-8"?>
+<p:sldLayout xmlns:a="http://schemas.openxmlformats.org/drawingml/2006/main" xmlns:p="http://schemas.openxmlformats.org/presentationml/2006/main" xmlns:r="http://schemas.openxmlformats.org/officeDocument/2006/relationships" type="blank" preserve="1">
+  <p:cSld name="Blank Slide">
+    <p:spTree>
+      <p:nvGrpSpPr>
+        <p:cNvPr id="1" name=""/>
+        <p:cNvGrpSpPr/>
+        <p:nvPr/>
+      </p:nvGrpSpPr>
+      <p:grpSpPr>
+        <a:xfrm>
+          <a:off x="0" y="0"/>
+          <a:ext cx="0" cy="0"/>
+          <a:chOff x="0" y="0"/>
+          <a:chExt cx="0" cy="0"/>
+        </a:xfrm>
+      </p:grpSpPr>
+    </p:spTree>
+  </p:cSld>
+</p:sldLayout>
+</file>
+
+<file path=ppt/slideLayouts/slideLayout26.xml><?xml version="1.0" encoding="utf-8"?>
+<p:sldLayout xmlns:a="http://schemas.openxmlformats.org/drawingml/2006/main" xmlns:p="http://schemas.openxmlformats.org/presentationml/2006/main" xmlns:r="http://schemas.openxmlformats.org/officeDocument/2006/relationships" type="tx" preserve="1">
+  <p:cSld name="Title Slide">
+    <p:spTree>
+      <p:nvGrpSpPr>
+        <p:cNvPr id="1" name=""/>
+        <p:cNvGrpSpPr/>
+        <p:nvPr/>
+      </p:nvGrpSpPr>
+      <p:grpSpPr>
+        <a:xfrm>
+          <a:off x="0" y="0"/>
+          <a:ext cx="0" cy="0"/>
+          <a:chOff x="0" y="0"/>
+          <a:chExt cx="0" cy="0"/>
+        </a:xfrm>
+      </p:grpSpPr>
+      <p:sp>
+        <p:nvSpPr>
+          <p:cNvPr id="78" name="PlaceHolder 1"/>
+          <p:cNvSpPr>
+            <a:spLocks noGrp="1"/>
+          </p:cNvSpPr>
+          <p:nvPr>
+            <p:ph type="title"/>
+          </p:nvPr>
+        </p:nvSpPr>
+        <p:spPr>
+          <a:xfrm>
+            <a:off x="504000" y="287640"/>
+            <a:ext cx="9072720" cy="1248480"/>
+          </a:xfrm>
+          <a:prstGeom prst="rect">
+            <a:avLst/>
+          </a:prstGeom>
+        </p:spPr>
+        <p:txBody>
+          <a:bodyPr lIns="0" rIns="0" tIns="0" bIns="0" anchor="ctr"/>
+          <a:p>
+            <a:pPr algn="ctr"/>
+            <a:endParaRPr/>
+          </a:p>
+        </p:txBody>
+      </p:sp>
+      <p:sp>
+        <p:nvSpPr>
+          <p:cNvPr id="79" name="PlaceHolder 2"/>
+          <p:cNvSpPr>
+            <a:spLocks noGrp="1"/>
+          </p:cNvSpPr>
+          <p:nvPr>
+            <p:ph type="subTitle"/>
+          </p:nvPr>
+        </p:nvSpPr>
+        <p:spPr>
+          <a:xfrm>
+            <a:off x="504000" y="1823760"/>
+            <a:ext cx="9072720" cy="4384440"/>
+          </a:xfrm>
+          <a:prstGeom prst="rect">
+            <a:avLst/>
+          </a:prstGeom>
+        </p:spPr>
+        <p:txBody>
+          <a:bodyPr lIns="0" rIns="0" tIns="0" bIns="0" anchor="ctr"/>
+          <a:p>
+            <a:pPr algn="ctr"/>
+            <a:endParaRPr/>
+          </a:p>
+        </p:txBody>
+      </p:sp>
+    </p:spTree>
+  </p:cSld>
+</p:sldLayout>
+</file>
+
+<file path=ppt/slideLayouts/slideLayout27.xml><?xml version="1.0" encoding="utf-8"?>
+<p:sldLayout xmlns:a="http://schemas.openxmlformats.org/drawingml/2006/main" xmlns:p="http://schemas.openxmlformats.org/presentationml/2006/main" xmlns:r="http://schemas.openxmlformats.org/officeDocument/2006/relationships" type="obj" preserve="1">
+  <p:cSld name="Title, Content">
+    <p:spTree>
+      <p:nvGrpSpPr>
+        <p:cNvPr id="1" name=""/>
+        <p:cNvGrpSpPr/>
+        <p:nvPr/>
+      </p:nvGrpSpPr>
+      <p:grpSpPr>
+        <a:xfrm>
+          <a:off x="0" y="0"/>
+          <a:ext cx="0" cy="0"/>
+          <a:chOff x="0" y="0"/>
+          <a:chExt cx="0" cy="0"/>
+        </a:xfrm>
+      </p:grpSpPr>
+      <p:sp>
+        <p:nvSpPr>
+          <p:cNvPr id="80" name="PlaceHolder 1"/>
+          <p:cNvSpPr>
+            <a:spLocks noGrp="1"/>
+          </p:cNvSpPr>
+          <p:nvPr>
+            <p:ph type="title"/>
+          </p:nvPr>
+        </p:nvSpPr>
+        <p:spPr>
+          <a:xfrm>
+            <a:off x="504000" y="287640"/>
+            <a:ext cx="9072720" cy="1248480"/>
+          </a:xfrm>
+          <a:prstGeom prst="rect">
+            <a:avLst/>
+          </a:prstGeom>
+        </p:spPr>
+        <p:txBody>
+          <a:bodyPr lIns="0" rIns="0" tIns="0" bIns="0" anchor="ctr"/>
+          <a:p>
+            <a:pPr algn="ctr"/>
+            <a:endParaRPr/>
+          </a:p>
+        </p:txBody>
+      </p:sp>
+      <p:sp>
+        <p:nvSpPr>
+          <p:cNvPr id="81" name="PlaceHolder 2"/>
+          <p:cNvSpPr>
+            <a:spLocks noGrp="1"/>
+          </p:cNvSpPr>
+          <p:nvPr>
+            <p:ph type="body"/>
+          </p:nvPr>
+        </p:nvSpPr>
+        <p:spPr>
+          <a:xfrm>
+            <a:off x="504000" y="1823760"/>
+            <a:ext cx="9072720" cy="4384080"/>
+          </a:xfrm>
+          <a:prstGeom prst="rect">
+            <a:avLst/>
+          </a:prstGeom>
+        </p:spPr>
+        <p:txBody>
+          <a:bodyPr lIns="0" rIns="0" tIns="0" bIns="0"/>
+          <a:p>
+            <a:endParaRPr/>
+          </a:p>
+        </p:txBody>
+      </p:sp>
+    </p:spTree>
+  </p:cSld>
+</p:sldLayout>
+</file>
+
+<file path=ppt/slideLayouts/slideLayout28.xml><?xml version="1.0" encoding="utf-8"?>
+<p:sldLayout xmlns:a="http://schemas.openxmlformats.org/drawingml/2006/main" xmlns:p="http://schemas.openxmlformats.org/presentationml/2006/main" xmlns:r="http://schemas.openxmlformats.org/officeDocument/2006/relationships" type="twoObj" preserve="1">
+  <p:cSld name="Title, 2 Content">
+    <p:spTree>
+      <p:nvGrpSpPr>
+        <p:cNvPr id="1" name=""/>
+        <p:cNvGrpSpPr/>
+        <p:nvPr/>
+      </p:nvGrpSpPr>
+      <p:grpSpPr>
+        <a:xfrm>
+          <a:off x="0" y="0"/>
+          <a:ext cx="0" cy="0"/>
+          <a:chOff x="0" y="0"/>
+          <a:chExt cx="0" cy="0"/>
+        </a:xfrm>
+      </p:grpSpPr>
+      <p:sp>
+        <p:nvSpPr>
+          <p:cNvPr id="82" name="PlaceHolder 1"/>
+          <p:cNvSpPr>
+            <a:spLocks noGrp="1"/>
+          </p:cNvSpPr>
+          <p:nvPr>
+            <p:ph type="title"/>
+          </p:nvPr>
+        </p:nvSpPr>
+        <p:spPr>
+          <a:xfrm>
+            <a:off x="504000" y="287640"/>
+            <a:ext cx="9072720" cy="1248480"/>
+          </a:xfrm>
+          <a:prstGeom prst="rect">
+            <a:avLst/>
+          </a:prstGeom>
+        </p:spPr>
+        <p:txBody>
+          <a:bodyPr lIns="0" rIns="0" tIns="0" bIns="0" anchor="ctr"/>
+          <a:p>
+            <a:pPr algn="ctr"/>
+            <a:endParaRPr/>
+          </a:p>
+        </p:txBody>
+      </p:sp>
+      <p:sp>
+        <p:nvSpPr>
+          <p:cNvPr id="83" name="PlaceHolder 2"/>
+          <p:cNvSpPr>
+            <a:spLocks noGrp="1"/>
+          </p:cNvSpPr>
+          <p:nvPr>
+            <p:ph type="body"/>
+          </p:nvPr>
+        </p:nvSpPr>
+        <p:spPr>
+          <a:xfrm>
+            <a:off x="504000" y="1823760"/>
+            <a:ext cx="4427280" cy="4384080"/>
+          </a:xfrm>
+          <a:prstGeom prst="rect">
+            <a:avLst/>
+          </a:prstGeom>
+        </p:spPr>
+        <p:txBody>
+          <a:bodyPr lIns="0" rIns="0" tIns="0" bIns="0"/>
+          <a:p>
+            <a:endParaRPr/>
+          </a:p>
+        </p:txBody>
+      </p:sp>
+      <p:sp>
+        <p:nvSpPr>
+          <p:cNvPr id="84" name="PlaceHolder 3"/>
+          <p:cNvSpPr>
+            <a:spLocks noGrp="1"/>
+          </p:cNvSpPr>
+          <p:nvPr>
+            <p:ph type="body"/>
+          </p:nvPr>
+        </p:nvSpPr>
+        <p:spPr>
+          <a:xfrm>
+            <a:off x="5153040" y="1823760"/>
+            <a:ext cx="4427280" cy="4384080"/>
+          </a:xfrm>
+          <a:prstGeom prst="rect">
+            <a:avLst/>
+          </a:prstGeom>
+        </p:spPr>
+        <p:txBody>
+          <a:bodyPr lIns="0" rIns="0" tIns="0" bIns="0"/>
+          <a:p>
+            <a:endParaRPr/>
+          </a:p>
+        </p:txBody>
+      </p:sp>
+    </p:spTree>
+  </p:cSld>
+</p:sldLayout>
+</file>
+
+<file path=ppt/slideLayouts/slideLayout29.xml><?xml version="1.0" encoding="utf-8"?>
+<p:sldLayout xmlns:a="http://schemas.openxmlformats.org/drawingml/2006/main" xmlns:p="http://schemas.openxmlformats.org/presentationml/2006/main" xmlns:r="http://schemas.openxmlformats.org/officeDocument/2006/relationships" type="titleOnly" preserve="1">
+  <p:cSld name="Title Only">
+    <p:spTree>
+      <p:nvGrpSpPr>
+        <p:cNvPr id="1" name=""/>
+        <p:cNvGrpSpPr/>
+        <p:nvPr/>
+      </p:nvGrpSpPr>
+      <p:grpSpPr>
+        <a:xfrm>
+          <a:off x="0" y="0"/>
+          <a:ext cx="0" cy="0"/>
+          <a:chOff x="0" y="0"/>
+          <a:chExt cx="0" cy="0"/>
+        </a:xfrm>
+      </p:grpSpPr>
+      <p:sp>
+        <p:nvSpPr>
+          <p:cNvPr id="85" name="PlaceHolder 1"/>
+          <p:cNvSpPr>
+            <a:spLocks noGrp="1"/>
+          </p:cNvSpPr>
+          <p:nvPr>
+            <p:ph type="title"/>
+          </p:nvPr>
+        </p:nvSpPr>
+        <p:spPr>
+          <a:xfrm>
+            <a:off x="504000" y="287640"/>
+            <a:ext cx="9072720" cy="1248480"/>
+          </a:xfrm>
+          <a:prstGeom prst="rect">
+            <a:avLst/>
+          </a:prstGeom>
+        </p:spPr>
+        <p:txBody>
+          <a:bodyPr lIns="0" rIns="0" tIns="0" bIns="0" anchor="ctr"/>
+          <a:p>
+            <a:pPr algn="ctr"/>
+            <a:endParaRPr/>
+          </a:p>
+        </p:txBody>
+      </p:sp>
     </p:spTree>
   </p:cSld>
 </p:sldLayout>
@@ -1708,8 +2032,8 @@
         </p:nvSpPr>
         <p:spPr>
           <a:xfrm>
-            <a:off x="504000" y="301320"/>
-            <a:ext cx="9071280" cy="1262520"/>
+            <a:off x="504000" y="287640"/>
+            <a:ext cx="9072720" cy="1248480"/>
           </a:xfrm>
           <a:prstGeom prst="rect">
             <a:avLst/>
@@ -1735,20 +2059,855 @@
         </p:nvSpPr>
         <p:spPr>
           <a:xfrm>
-            <a:off x="504000" y="1769040"/>
-            <a:ext cx="9071280" cy="4384080"/>
-          </a:xfrm>
-          <a:prstGeom prst="rect">
-            <a:avLst/>
-          </a:prstGeom>
-        </p:spPr>
-        <p:txBody>
-          <a:bodyPr lIns="0" rIns="0" tIns="0" bIns="0"/>
-          <a:p>
-            <a:endParaRPr/>
-          </a:p>
-        </p:txBody>
-      </p:sp>
+            <a:off x="504000" y="1823760"/>
+            <a:ext cx="9072720" cy="4384080"/>
+          </a:xfrm>
+          <a:prstGeom prst="rect">
+            <a:avLst/>
+          </a:prstGeom>
+        </p:spPr>
+        <p:txBody>
+          <a:bodyPr lIns="0" rIns="0" tIns="0" bIns="0"/>
+          <a:p>
+            <a:endParaRPr/>
+          </a:p>
+        </p:txBody>
+      </p:sp>
+    </p:spTree>
+  </p:cSld>
+</p:sldLayout>
+</file>
+
+<file path=ppt/slideLayouts/slideLayout30.xml><?xml version="1.0" encoding="utf-8"?>
+<p:sldLayout xmlns:a="http://schemas.openxmlformats.org/drawingml/2006/main" xmlns:p="http://schemas.openxmlformats.org/presentationml/2006/main" xmlns:r="http://schemas.openxmlformats.org/officeDocument/2006/relationships" type="objOnly" preserve="1">
+  <p:cSld name="Centered Text">
+    <p:spTree>
+      <p:nvGrpSpPr>
+        <p:cNvPr id="1" name=""/>
+        <p:cNvGrpSpPr/>
+        <p:nvPr/>
+      </p:nvGrpSpPr>
+      <p:grpSpPr>
+        <a:xfrm>
+          <a:off x="0" y="0"/>
+          <a:ext cx="0" cy="0"/>
+          <a:chOff x="0" y="0"/>
+          <a:chExt cx="0" cy="0"/>
+        </a:xfrm>
+      </p:grpSpPr>
+      <p:sp>
+        <p:nvSpPr>
+          <p:cNvPr id="86" name="PlaceHolder 1"/>
+          <p:cNvSpPr>
+            <a:spLocks noGrp="1"/>
+          </p:cNvSpPr>
+          <p:nvPr>
+            <p:ph type="subTitle"/>
+          </p:nvPr>
+        </p:nvSpPr>
+        <p:spPr>
+          <a:xfrm>
+            <a:off x="504000" y="287640"/>
+            <a:ext cx="9072720" cy="5787360"/>
+          </a:xfrm>
+          <a:prstGeom prst="rect">
+            <a:avLst/>
+          </a:prstGeom>
+        </p:spPr>
+        <p:txBody>
+          <a:bodyPr lIns="0" rIns="0" tIns="0" bIns="0" anchor="ctr"/>
+          <a:p>
+            <a:pPr algn="ctr"/>
+            <a:endParaRPr/>
+          </a:p>
+        </p:txBody>
+      </p:sp>
+    </p:spTree>
+  </p:cSld>
+</p:sldLayout>
+</file>
+
+<file path=ppt/slideLayouts/slideLayout31.xml><?xml version="1.0" encoding="utf-8"?>
+<p:sldLayout xmlns:a="http://schemas.openxmlformats.org/drawingml/2006/main" xmlns:p="http://schemas.openxmlformats.org/presentationml/2006/main" xmlns:r="http://schemas.openxmlformats.org/officeDocument/2006/relationships" type="twoObjAndObj" preserve="1">
+  <p:cSld name="Title, 2 Content and Content">
+    <p:spTree>
+      <p:nvGrpSpPr>
+        <p:cNvPr id="1" name=""/>
+        <p:cNvGrpSpPr/>
+        <p:nvPr/>
+      </p:nvGrpSpPr>
+      <p:grpSpPr>
+        <a:xfrm>
+          <a:off x="0" y="0"/>
+          <a:ext cx="0" cy="0"/>
+          <a:chOff x="0" y="0"/>
+          <a:chExt cx="0" cy="0"/>
+        </a:xfrm>
+      </p:grpSpPr>
+      <p:sp>
+        <p:nvSpPr>
+          <p:cNvPr id="87" name="PlaceHolder 1"/>
+          <p:cNvSpPr>
+            <a:spLocks noGrp="1"/>
+          </p:cNvSpPr>
+          <p:nvPr>
+            <p:ph type="title"/>
+          </p:nvPr>
+        </p:nvSpPr>
+        <p:spPr>
+          <a:xfrm>
+            <a:off x="504000" y="287640"/>
+            <a:ext cx="9072720" cy="1248480"/>
+          </a:xfrm>
+          <a:prstGeom prst="rect">
+            <a:avLst/>
+          </a:prstGeom>
+        </p:spPr>
+        <p:txBody>
+          <a:bodyPr lIns="0" rIns="0" tIns="0" bIns="0" anchor="ctr"/>
+          <a:p>
+            <a:pPr algn="ctr"/>
+            <a:endParaRPr/>
+          </a:p>
+        </p:txBody>
+      </p:sp>
+      <p:sp>
+        <p:nvSpPr>
+          <p:cNvPr id="88" name="PlaceHolder 2"/>
+          <p:cNvSpPr>
+            <a:spLocks noGrp="1"/>
+          </p:cNvSpPr>
+          <p:nvPr>
+            <p:ph type="body"/>
+          </p:nvPr>
+        </p:nvSpPr>
+        <p:spPr>
+          <a:xfrm>
+            <a:off x="504000" y="1823760"/>
+            <a:ext cx="4427280" cy="2090880"/>
+          </a:xfrm>
+          <a:prstGeom prst="rect">
+            <a:avLst/>
+          </a:prstGeom>
+        </p:spPr>
+        <p:txBody>
+          <a:bodyPr lIns="0" rIns="0" tIns="0" bIns="0"/>
+          <a:p>
+            <a:endParaRPr/>
+          </a:p>
+        </p:txBody>
+      </p:sp>
+      <p:sp>
+        <p:nvSpPr>
+          <p:cNvPr id="89" name="PlaceHolder 3"/>
+          <p:cNvSpPr>
+            <a:spLocks noGrp="1"/>
+          </p:cNvSpPr>
+          <p:nvPr>
+            <p:ph type="body"/>
+          </p:nvPr>
+        </p:nvSpPr>
+        <p:spPr>
+          <a:xfrm>
+            <a:off x="504000" y="4113720"/>
+            <a:ext cx="4427280" cy="2090880"/>
+          </a:xfrm>
+          <a:prstGeom prst="rect">
+            <a:avLst/>
+          </a:prstGeom>
+        </p:spPr>
+        <p:txBody>
+          <a:bodyPr lIns="0" rIns="0" tIns="0" bIns="0"/>
+          <a:p>
+            <a:endParaRPr/>
+          </a:p>
+        </p:txBody>
+      </p:sp>
+      <p:sp>
+        <p:nvSpPr>
+          <p:cNvPr id="90" name="PlaceHolder 4"/>
+          <p:cNvSpPr>
+            <a:spLocks noGrp="1"/>
+          </p:cNvSpPr>
+          <p:nvPr>
+            <p:ph type="body"/>
+          </p:nvPr>
+        </p:nvSpPr>
+        <p:spPr>
+          <a:xfrm>
+            <a:off x="5153040" y="1823760"/>
+            <a:ext cx="4427280" cy="4384080"/>
+          </a:xfrm>
+          <a:prstGeom prst="rect">
+            <a:avLst/>
+          </a:prstGeom>
+        </p:spPr>
+        <p:txBody>
+          <a:bodyPr lIns="0" rIns="0" tIns="0" bIns="0"/>
+          <a:p>
+            <a:endParaRPr/>
+          </a:p>
+        </p:txBody>
+      </p:sp>
+    </p:spTree>
+  </p:cSld>
+</p:sldLayout>
+</file>
+
+<file path=ppt/slideLayouts/slideLayout32.xml><?xml version="1.0" encoding="utf-8"?>
+<p:sldLayout xmlns:a="http://schemas.openxmlformats.org/drawingml/2006/main" xmlns:p="http://schemas.openxmlformats.org/presentationml/2006/main" xmlns:r="http://schemas.openxmlformats.org/officeDocument/2006/relationships" type="objAndTwoObj" preserve="1">
+  <p:cSld name="Title Content and 2 Content">
+    <p:spTree>
+      <p:nvGrpSpPr>
+        <p:cNvPr id="1" name=""/>
+        <p:cNvGrpSpPr/>
+        <p:nvPr/>
+      </p:nvGrpSpPr>
+      <p:grpSpPr>
+        <a:xfrm>
+          <a:off x="0" y="0"/>
+          <a:ext cx="0" cy="0"/>
+          <a:chOff x="0" y="0"/>
+          <a:chExt cx="0" cy="0"/>
+        </a:xfrm>
+      </p:grpSpPr>
+      <p:sp>
+        <p:nvSpPr>
+          <p:cNvPr id="91" name="PlaceHolder 1"/>
+          <p:cNvSpPr>
+            <a:spLocks noGrp="1"/>
+          </p:cNvSpPr>
+          <p:nvPr>
+            <p:ph type="title"/>
+          </p:nvPr>
+        </p:nvSpPr>
+        <p:spPr>
+          <a:xfrm>
+            <a:off x="504000" y="287640"/>
+            <a:ext cx="9072720" cy="1248480"/>
+          </a:xfrm>
+          <a:prstGeom prst="rect">
+            <a:avLst/>
+          </a:prstGeom>
+        </p:spPr>
+        <p:txBody>
+          <a:bodyPr lIns="0" rIns="0" tIns="0" bIns="0" anchor="ctr"/>
+          <a:p>
+            <a:pPr algn="ctr"/>
+            <a:endParaRPr/>
+          </a:p>
+        </p:txBody>
+      </p:sp>
+      <p:sp>
+        <p:nvSpPr>
+          <p:cNvPr id="92" name="PlaceHolder 2"/>
+          <p:cNvSpPr>
+            <a:spLocks noGrp="1"/>
+          </p:cNvSpPr>
+          <p:nvPr>
+            <p:ph type="body"/>
+          </p:nvPr>
+        </p:nvSpPr>
+        <p:spPr>
+          <a:xfrm>
+            <a:off x="504000" y="1823760"/>
+            <a:ext cx="4427280" cy="4384080"/>
+          </a:xfrm>
+          <a:prstGeom prst="rect">
+            <a:avLst/>
+          </a:prstGeom>
+        </p:spPr>
+        <p:txBody>
+          <a:bodyPr lIns="0" rIns="0" tIns="0" bIns="0"/>
+          <a:p>
+            <a:endParaRPr/>
+          </a:p>
+        </p:txBody>
+      </p:sp>
+      <p:sp>
+        <p:nvSpPr>
+          <p:cNvPr id="93" name="PlaceHolder 3"/>
+          <p:cNvSpPr>
+            <a:spLocks noGrp="1"/>
+          </p:cNvSpPr>
+          <p:nvPr>
+            <p:ph type="body"/>
+          </p:nvPr>
+        </p:nvSpPr>
+        <p:spPr>
+          <a:xfrm>
+            <a:off x="5153040" y="1823760"/>
+            <a:ext cx="4427280" cy="2090880"/>
+          </a:xfrm>
+          <a:prstGeom prst="rect">
+            <a:avLst/>
+          </a:prstGeom>
+        </p:spPr>
+        <p:txBody>
+          <a:bodyPr lIns="0" rIns="0" tIns="0" bIns="0"/>
+          <a:p>
+            <a:endParaRPr/>
+          </a:p>
+        </p:txBody>
+      </p:sp>
+      <p:sp>
+        <p:nvSpPr>
+          <p:cNvPr id="94" name="PlaceHolder 4"/>
+          <p:cNvSpPr>
+            <a:spLocks noGrp="1"/>
+          </p:cNvSpPr>
+          <p:nvPr>
+            <p:ph type="body"/>
+          </p:nvPr>
+        </p:nvSpPr>
+        <p:spPr>
+          <a:xfrm>
+            <a:off x="5153040" y="4113720"/>
+            <a:ext cx="4427280" cy="2090880"/>
+          </a:xfrm>
+          <a:prstGeom prst="rect">
+            <a:avLst/>
+          </a:prstGeom>
+        </p:spPr>
+        <p:txBody>
+          <a:bodyPr lIns="0" rIns="0" tIns="0" bIns="0"/>
+          <a:p>
+            <a:endParaRPr/>
+          </a:p>
+        </p:txBody>
+      </p:sp>
+    </p:spTree>
+  </p:cSld>
+</p:sldLayout>
+</file>
+
+<file path=ppt/slideLayouts/slideLayout33.xml><?xml version="1.0" encoding="utf-8"?>
+<p:sldLayout xmlns:a="http://schemas.openxmlformats.org/drawingml/2006/main" xmlns:p="http://schemas.openxmlformats.org/presentationml/2006/main" xmlns:r="http://schemas.openxmlformats.org/officeDocument/2006/relationships" type="twoObjOverTx" preserve="1">
+  <p:cSld name="Title, 2 Content over Content">
+    <p:spTree>
+      <p:nvGrpSpPr>
+        <p:cNvPr id="1" name=""/>
+        <p:cNvGrpSpPr/>
+        <p:nvPr/>
+      </p:nvGrpSpPr>
+      <p:grpSpPr>
+        <a:xfrm>
+          <a:off x="0" y="0"/>
+          <a:ext cx="0" cy="0"/>
+          <a:chOff x="0" y="0"/>
+          <a:chExt cx="0" cy="0"/>
+        </a:xfrm>
+      </p:grpSpPr>
+      <p:sp>
+        <p:nvSpPr>
+          <p:cNvPr id="95" name="PlaceHolder 1"/>
+          <p:cNvSpPr>
+            <a:spLocks noGrp="1"/>
+          </p:cNvSpPr>
+          <p:nvPr>
+            <p:ph type="title"/>
+          </p:nvPr>
+        </p:nvSpPr>
+        <p:spPr>
+          <a:xfrm>
+            <a:off x="504000" y="287640"/>
+            <a:ext cx="9072720" cy="1248480"/>
+          </a:xfrm>
+          <a:prstGeom prst="rect">
+            <a:avLst/>
+          </a:prstGeom>
+        </p:spPr>
+        <p:txBody>
+          <a:bodyPr lIns="0" rIns="0" tIns="0" bIns="0" anchor="ctr"/>
+          <a:p>
+            <a:pPr algn="ctr"/>
+            <a:endParaRPr/>
+          </a:p>
+        </p:txBody>
+      </p:sp>
+      <p:sp>
+        <p:nvSpPr>
+          <p:cNvPr id="96" name="PlaceHolder 2"/>
+          <p:cNvSpPr>
+            <a:spLocks noGrp="1"/>
+          </p:cNvSpPr>
+          <p:nvPr>
+            <p:ph type="body"/>
+          </p:nvPr>
+        </p:nvSpPr>
+        <p:spPr>
+          <a:xfrm>
+            <a:off x="504000" y="1823760"/>
+            <a:ext cx="4427280" cy="2090880"/>
+          </a:xfrm>
+          <a:prstGeom prst="rect">
+            <a:avLst/>
+          </a:prstGeom>
+        </p:spPr>
+        <p:txBody>
+          <a:bodyPr lIns="0" rIns="0" tIns="0" bIns="0"/>
+          <a:p>
+            <a:endParaRPr/>
+          </a:p>
+        </p:txBody>
+      </p:sp>
+      <p:sp>
+        <p:nvSpPr>
+          <p:cNvPr id="97" name="PlaceHolder 3"/>
+          <p:cNvSpPr>
+            <a:spLocks noGrp="1"/>
+          </p:cNvSpPr>
+          <p:nvPr>
+            <p:ph type="body"/>
+          </p:nvPr>
+        </p:nvSpPr>
+        <p:spPr>
+          <a:xfrm>
+            <a:off x="5153040" y="1823760"/>
+            <a:ext cx="4427280" cy="2090880"/>
+          </a:xfrm>
+          <a:prstGeom prst="rect">
+            <a:avLst/>
+          </a:prstGeom>
+        </p:spPr>
+        <p:txBody>
+          <a:bodyPr lIns="0" rIns="0" tIns="0" bIns="0"/>
+          <a:p>
+            <a:endParaRPr/>
+          </a:p>
+        </p:txBody>
+      </p:sp>
+      <p:sp>
+        <p:nvSpPr>
+          <p:cNvPr id="98" name="PlaceHolder 4"/>
+          <p:cNvSpPr>
+            <a:spLocks noGrp="1"/>
+          </p:cNvSpPr>
+          <p:nvPr>
+            <p:ph type="body"/>
+          </p:nvPr>
+        </p:nvSpPr>
+        <p:spPr>
+          <a:xfrm>
+            <a:off x="504000" y="4113720"/>
+            <a:ext cx="9072720" cy="2090880"/>
+          </a:xfrm>
+          <a:prstGeom prst="rect">
+            <a:avLst/>
+          </a:prstGeom>
+        </p:spPr>
+        <p:txBody>
+          <a:bodyPr lIns="0" rIns="0" tIns="0" bIns="0"/>
+          <a:p>
+            <a:endParaRPr/>
+          </a:p>
+        </p:txBody>
+      </p:sp>
+    </p:spTree>
+  </p:cSld>
+</p:sldLayout>
+</file>
+
+<file path=ppt/slideLayouts/slideLayout34.xml><?xml version="1.0" encoding="utf-8"?>
+<p:sldLayout xmlns:a="http://schemas.openxmlformats.org/drawingml/2006/main" xmlns:p="http://schemas.openxmlformats.org/presentationml/2006/main" xmlns:r="http://schemas.openxmlformats.org/officeDocument/2006/relationships" type="objOverTx" preserve="1">
+  <p:cSld name="Title, Content over Content">
+    <p:spTree>
+      <p:nvGrpSpPr>
+        <p:cNvPr id="1" name=""/>
+        <p:cNvGrpSpPr/>
+        <p:nvPr/>
+      </p:nvGrpSpPr>
+      <p:grpSpPr>
+        <a:xfrm>
+          <a:off x="0" y="0"/>
+          <a:ext cx="0" cy="0"/>
+          <a:chOff x="0" y="0"/>
+          <a:chExt cx="0" cy="0"/>
+        </a:xfrm>
+      </p:grpSpPr>
+      <p:sp>
+        <p:nvSpPr>
+          <p:cNvPr id="99" name="PlaceHolder 1"/>
+          <p:cNvSpPr>
+            <a:spLocks noGrp="1"/>
+          </p:cNvSpPr>
+          <p:nvPr>
+            <p:ph type="title"/>
+          </p:nvPr>
+        </p:nvSpPr>
+        <p:spPr>
+          <a:xfrm>
+            <a:off x="504000" y="287640"/>
+            <a:ext cx="9072720" cy="1248480"/>
+          </a:xfrm>
+          <a:prstGeom prst="rect">
+            <a:avLst/>
+          </a:prstGeom>
+        </p:spPr>
+        <p:txBody>
+          <a:bodyPr lIns="0" rIns="0" tIns="0" bIns="0" anchor="ctr"/>
+          <a:p>
+            <a:pPr algn="ctr"/>
+            <a:endParaRPr/>
+          </a:p>
+        </p:txBody>
+      </p:sp>
+      <p:sp>
+        <p:nvSpPr>
+          <p:cNvPr id="100" name="PlaceHolder 2"/>
+          <p:cNvSpPr>
+            <a:spLocks noGrp="1"/>
+          </p:cNvSpPr>
+          <p:nvPr>
+            <p:ph type="body"/>
+          </p:nvPr>
+        </p:nvSpPr>
+        <p:spPr>
+          <a:xfrm>
+            <a:off x="504000" y="1823760"/>
+            <a:ext cx="9072720" cy="2090880"/>
+          </a:xfrm>
+          <a:prstGeom prst="rect">
+            <a:avLst/>
+          </a:prstGeom>
+        </p:spPr>
+        <p:txBody>
+          <a:bodyPr lIns="0" rIns="0" tIns="0" bIns="0"/>
+          <a:p>
+            <a:endParaRPr/>
+          </a:p>
+        </p:txBody>
+      </p:sp>
+      <p:sp>
+        <p:nvSpPr>
+          <p:cNvPr id="101" name="PlaceHolder 3"/>
+          <p:cNvSpPr>
+            <a:spLocks noGrp="1"/>
+          </p:cNvSpPr>
+          <p:nvPr>
+            <p:ph type="body"/>
+          </p:nvPr>
+        </p:nvSpPr>
+        <p:spPr>
+          <a:xfrm>
+            <a:off x="504000" y="4113720"/>
+            <a:ext cx="9072720" cy="2090880"/>
+          </a:xfrm>
+          <a:prstGeom prst="rect">
+            <a:avLst/>
+          </a:prstGeom>
+        </p:spPr>
+        <p:txBody>
+          <a:bodyPr lIns="0" rIns="0" tIns="0" bIns="0"/>
+          <a:p>
+            <a:endParaRPr/>
+          </a:p>
+        </p:txBody>
+      </p:sp>
+    </p:spTree>
+  </p:cSld>
+</p:sldLayout>
+</file>
+
+<file path=ppt/slideLayouts/slideLayout35.xml><?xml version="1.0" encoding="utf-8"?>
+<p:sldLayout xmlns:a="http://schemas.openxmlformats.org/drawingml/2006/main" xmlns:p="http://schemas.openxmlformats.org/presentationml/2006/main" xmlns:r="http://schemas.openxmlformats.org/officeDocument/2006/relationships" type="fourObj" preserve="1">
+  <p:cSld name="Title, 4 Content">
+    <p:spTree>
+      <p:nvGrpSpPr>
+        <p:cNvPr id="1" name=""/>
+        <p:cNvGrpSpPr/>
+        <p:nvPr/>
+      </p:nvGrpSpPr>
+      <p:grpSpPr>
+        <a:xfrm>
+          <a:off x="0" y="0"/>
+          <a:ext cx="0" cy="0"/>
+          <a:chOff x="0" y="0"/>
+          <a:chExt cx="0" cy="0"/>
+        </a:xfrm>
+      </p:grpSpPr>
+      <p:sp>
+        <p:nvSpPr>
+          <p:cNvPr id="102" name="PlaceHolder 1"/>
+          <p:cNvSpPr>
+            <a:spLocks noGrp="1"/>
+          </p:cNvSpPr>
+          <p:nvPr>
+            <p:ph type="title"/>
+          </p:nvPr>
+        </p:nvSpPr>
+        <p:spPr>
+          <a:xfrm>
+            <a:off x="504000" y="287640"/>
+            <a:ext cx="9072720" cy="1248480"/>
+          </a:xfrm>
+          <a:prstGeom prst="rect">
+            <a:avLst/>
+          </a:prstGeom>
+        </p:spPr>
+        <p:txBody>
+          <a:bodyPr lIns="0" rIns="0" tIns="0" bIns="0" anchor="ctr"/>
+          <a:p>
+            <a:pPr algn="ctr"/>
+            <a:endParaRPr/>
+          </a:p>
+        </p:txBody>
+      </p:sp>
+      <p:sp>
+        <p:nvSpPr>
+          <p:cNvPr id="103" name="PlaceHolder 2"/>
+          <p:cNvSpPr>
+            <a:spLocks noGrp="1"/>
+          </p:cNvSpPr>
+          <p:nvPr>
+            <p:ph type="body"/>
+          </p:nvPr>
+        </p:nvSpPr>
+        <p:spPr>
+          <a:xfrm>
+            <a:off x="504000" y="1823760"/>
+            <a:ext cx="4427280" cy="2090880"/>
+          </a:xfrm>
+          <a:prstGeom prst="rect">
+            <a:avLst/>
+          </a:prstGeom>
+        </p:spPr>
+        <p:txBody>
+          <a:bodyPr lIns="0" rIns="0" tIns="0" bIns="0"/>
+          <a:p>
+            <a:endParaRPr/>
+          </a:p>
+        </p:txBody>
+      </p:sp>
+      <p:sp>
+        <p:nvSpPr>
+          <p:cNvPr id="104" name="PlaceHolder 3"/>
+          <p:cNvSpPr>
+            <a:spLocks noGrp="1"/>
+          </p:cNvSpPr>
+          <p:nvPr>
+            <p:ph type="body"/>
+          </p:nvPr>
+        </p:nvSpPr>
+        <p:spPr>
+          <a:xfrm>
+            <a:off x="5153040" y="1823760"/>
+            <a:ext cx="4427280" cy="2090880"/>
+          </a:xfrm>
+          <a:prstGeom prst="rect">
+            <a:avLst/>
+          </a:prstGeom>
+        </p:spPr>
+        <p:txBody>
+          <a:bodyPr lIns="0" rIns="0" tIns="0" bIns="0"/>
+          <a:p>
+            <a:endParaRPr/>
+          </a:p>
+        </p:txBody>
+      </p:sp>
+      <p:sp>
+        <p:nvSpPr>
+          <p:cNvPr id="105" name="PlaceHolder 4"/>
+          <p:cNvSpPr>
+            <a:spLocks noGrp="1"/>
+          </p:cNvSpPr>
+          <p:nvPr>
+            <p:ph type="body"/>
+          </p:nvPr>
+        </p:nvSpPr>
+        <p:spPr>
+          <a:xfrm>
+            <a:off x="5153040" y="4113720"/>
+            <a:ext cx="4427280" cy="2090880"/>
+          </a:xfrm>
+          <a:prstGeom prst="rect">
+            <a:avLst/>
+          </a:prstGeom>
+        </p:spPr>
+        <p:txBody>
+          <a:bodyPr lIns="0" rIns="0" tIns="0" bIns="0"/>
+          <a:p>
+            <a:endParaRPr/>
+          </a:p>
+        </p:txBody>
+      </p:sp>
+      <p:sp>
+        <p:nvSpPr>
+          <p:cNvPr id="106" name="PlaceHolder 5"/>
+          <p:cNvSpPr>
+            <a:spLocks noGrp="1"/>
+          </p:cNvSpPr>
+          <p:nvPr>
+            <p:ph type="body"/>
+          </p:nvPr>
+        </p:nvSpPr>
+        <p:spPr>
+          <a:xfrm>
+            <a:off x="504000" y="4113720"/>
+            <a:ext cx="4427280" cy="2090880"/>
+          </a:xfrm>
+          <a:prstGeom prst="rect">
+            <a:avLst/>
+          </a:prstGeom>
+        </p:spPr>
+        <p:txBody>
+          <a:bodyPr lIns="0" rIns="0" tIns="0" bIns="0"/>
+          <a:p>
+            <a:endParaRPr/>
+          </a:p>
+        </p:txBody>
+      </p:sp>
+    </p:spTree>
+  </p:cSld>
+</p:sldLayout>
+</file>
+
+<file path=ppt/slideLayouts/slideLayout36.xml><?xml version="1.0" encoding="utf-8"?>
+<p:sldLayout xmlns:a="http://schemas.openxmlformats.org/drawingml/2006/main" xmlns:p="http://schemas.openxmlformats.org/presentationml/2006/main" xmlns:r="http://schemas.openxmlformats.org/officeDocument/2006/relationships" type="blank" preserve="1">
+  <p:cSld name="Title, 6 Content">
+    <p:spTree>
+      <p:nvGrpSpPr>
+        <p:cNvPr id="1" name=""/>
+        <p:cNvGrpSpPr/>
+        <p:nvPr/>
+      </p:nvGrpSpPr>
+      <p:grpSpPr>
+        <a:xfrm>
+          <a:off x="0" y="0"/>
+          <a:ext cx="0" cy="0"/>
+          <a:chOff x="0" y="0"/>
+          <a:chExt cx="0" cy="0"/>
+        </a:xfrm>
+      </p:grpSpPr>
+      <p:sp>
+        <p:nvSpPr>
+          <p:cNvPr id="107" name="PlaceHolder 1"/>
+          <p:cNvSpPr>
+            <a:spLocks noGrp="1"/>
+          </p:cNvSpPr>
+          <p:nvPr>
+            <p:ph type="title"/>
+          </p:nvPr>
+        </p:nvSpPr>
+        <p:spPr>
+          <a:xfrm>
+            <a:off x="504000" y="287640"/>
+            <a:ext cx="9072720" cy="1248480"/>
+          </a:xfrm>
+          <a:prstGeom prst="rect">
+            <a:avLst/>
+          </a:prstGeom>
+        </p:spPr>
+        <p:txBody>
+          <a:bodyPr lIns="0" rIns="0" tIns="0" bIns="0" anchor="ctr"/>
+          <a:p>
+            <a:pPr algn="ctr"/>
+            <a:endParaRPr/>
+          </a:p>
+        </p:txBody>
+      </p:sp>
+      <p:sp>
+        <p:nvSpPr>
+          <p:cNvPr id="108" name="PlaceHolder 2"/>
+          <p:cNvSpPr>
+            <a:spLocks noGrp="1"/>
+          </p:cNvSpPr>
+          <p:nvPr>
+            <p:ph type="body"/>
+          </p:nvPr>
+        </p:nvSpPr>
+        <p:spPr>
+          <a:xfrm>
+            <a:off x="504000" y="1823760"/>
+            <a:ext cx="9072720" cy="4384080"/>
+          </a:xfrm>
+          <a:prstGeom prst="rect">
+            <a:avLst/>
+          </a:prstGeom>
+        </p:spPr>
+        <p:txBody>
+          <a:bodyPr lIns="0" rIns="0" tIns="0" bIns="0"/>
+          <a:p>
+            <a:endParaRPr/>
+          </a:p>
+        </p:txBody>
+      </p:sp>
+      <p:sp>
+        <p:nvSpPr>
+          <p:cNvPr id="109" name="PlaceHolder 3"/>
+          <p:cNvSpPr>
+            <a:spLocks noGrp="1"/>
+          </p:cNvSpPr>
+          <p:nvPr>
+            <p:ph type="body"/>
+          </p:nvPr>
+        </p:nvSpPr>
+        <p:spPr>
+          <a:xfrm>
+            <a:off x="504000" y="1823760"/>
+            <a:ext cx="9072720" cy="4384080"/>
+          </a:xfrm>
+          <a:prstGeom prst="rect">
+            <a:avLst/>
+          </a:prstGeom>
+        </p:spPr>
+        <p:txBody>
+          <a:bodyPr lIns="0" rIns="0" tIns="0" bIns="0"/>
+          <a:p>
+            <a:endParaRPr/>
+          </a:p>
+        </p:txBody>
+      </p:sp>
+      <p:pic>
+        <p:nvPicPr>
+          <p:cNvPr id="110" name="" descr=""/>
+          <p:cNvPicPr/>
+          <p:nvPr/>
+        </p:nvPicPr>
+        <p:blipFill>
+          <a:blip r:embed="rId2"/>
+          <a:stretch>
+            <a:fillRect/>
+          </a:stretch>
+        </p:blipFill>
+        <p:spPr>
+          <a:xfrm>
+            <a:off x="2292840" y="1823760"/>
+            <a:ext cx="5494680" cy="4384080"/>
+          </a:xfrm>
+          <a:prstGeom prst="rect">
+            <a:avLst/>
+          </a:prstGeom>
+          <a:ln>
+            <a:noFill/>
+          </a:ln>
+        </p:spPr>
+      </p:pic>
+      <p:pic>
+        <p:nvPicPr>
+          <p:cNvPr id="111" name="" descr=""/>
+          <p:cNvPicPr/>
+          <p:nvPr/>
+        </p:nvPicPr>
+        <p:blipFill>
+          <a:blip r:embed="rId3"/>
+          <a:stretch>
+            <a:fillRect/>
+          </a:stretch>
+        </p:blipFill>
+        <p:spPr>
+          <a:xfrm>
+            <a:off x="2292840" y="1823760"/>
+            <a:ext cx="5494680" cy="4384080"/>
+          </a:xfrm>
+          <a:prstGeom prst="rect">
+            <a:avLst/>
+          </a:prstGeom>
+          <a:ln>
+            <a:noFill/>
+          </a:ln>
+        </p:spPr>
+      </p:pic>
     </p:spTree>
   </p:cSld>
 </p:sldLayout>
@@ -1783,8 +2942,8 @@
         </p:nvSpPr>
         <p:spPr>
           <a:xfrm>
-            <a:off x="504000" y="301320"/>
-            <a:ext cx="9071280" cy="1262520"/>
+            <a:off x="504000" y="287640"/>
+            <a:ext cx="9072720" cy="1248480"/>
           </a:xfrm>
           <a:prstGeom prst="rect">
             <a:avLst/>
@@ -1810,8 +2969,8 @@
         </p:nvSpPr>
         <p:spPr>
           <a:xfrm>
-            <a:off x="504000" y="1769040"/>
-            <a:ext cx="4426560" cy="4384080"/>
+            <a:off x="504000" y="1823760"/>
+            <a:ext cx="4427280" cy="4384080"/>
           </a:xfrm>
           <a:prstGeom prst="rect">
             <a:avLst/>
@@ -1836,8 +2995,8 @@
         </p:nvSpPr>
         <p:spPr>
           <a:xfrm>
-            <a:off x="5152320" y="1769040"/>
-            <a:ext cx="4426560" cy="4384080"/>
+            <a:off x="5153040" y="1823760"/>
+            <a:ext cx="4427280" cy="4384080"/>
           </a:xfrm>
           <a:prstGeom prst="rect">
             <a:avLst/>
@@ -1884,8 +3043,8 @@
         </p:nvSpPr>
         <p:spPr>
           <a:xfrm>
-            <a:off x="504000" y="301320"/>
-            <a:ext cx="9071280" cy="1262520"/>
+            <a:off x="504000" y="287640"/>
+            <a:ext cx="9072720" cy="1248480"/>
           </a:xfrm>
           <a:prstGeom prst="rect">
             <a:avLst/>
@@ -1933,8 +3092,8 @@
         </p:nvSpPr>
         <p:spPr>
           <a:xfrm>
-            <a:off x="504000" y="301320"/>
-            <a:ext cx="9071280" cy="5852160"/>
+            <a:off x="504000" y="287640"/>
+            <a:ext cx="9072720" cy="5787360"/>
           </a:xfrm>
           <a:prstGeom prst="rect">
             <a:avLst/>
@@ -1982,8 +3141,8 @@
         </p:nvSpPr>
         <p:spPr>
           <a:xfrm>
-            <a:off x="504000" y="301320"/>
-            <a:ext cx="9071280" cy="1262520"/>
+            <a:off x="504000" y="287640"/>
+            <a:ext cx="9072720" cy="1248480"/>
           </a:xfrm>
           <a:prstGeom prst="rect">
             <a:avLst/>
@@ -2009,8 +3168,8 @@
         </p:nvSpPr>
         <p:spPr>
           <a:xfrm>
-            <a:off x="504000" y="1769040"/>
-            <a:ext cx="4426560" cy="2090880"/>
+            <a:off x="504000" y="1823760"/>
+            <a:ext cx="4427280" cy="2090880"/>
           </a:xfrm>
           <a:prstGeom prst="rect">
             <a:avLst/>
@@ -2035,8 +3194,8 @@
         </p:nvSpPr>
         <p:spPr>
           <a:xfrm>
-            <a:off x="504000" y="4059000"/>
-            <a:ext cx="4426560" cy="2090880"/>
+            <a:off x="504000" y="4113720"/>
+            <a:ext cx="4427280" cy="2090880"/>
           </a:xfrm>
           <a:prstGeom prst="rect">
             <a:avLst/>
@@ -2061,8 +3220,8 @@
         </p:nvSpPr>
         <p:spPr>
           <a:xfrm>
-            <a:off x="5152320" y="1769040"/>
-            <a:ext cx="4426560" cy="4384080"/>
+            <a:off x="5153040" y="1823760"/>
+            <a:ext cx="4427280" cy="4384080"/>
           </a:xfrm>
           <a:prstGeom prst="rect">
             <a:avLst/>
@@ -2109,8 +3268,8 @@
         </p:nvSpPr>
         <p:spPr>
           <a:xfrm>
-            <a:off x="504000" y="301320"/>
-            <a:ext cx="9071280" cy="1262520"/>
+            <a:off x="504000" y="287640"/>
+            <a:ext cx="9072720" cy="1248480"/>
           </a:xfrm>
           <a:prstGeom prst="rect">
             <a:avLst/>
@@ -2136,8 +3295,8 @@
         </p:nvSpPr>
         <p:spPr>
           <a:xfrm>
-            <a:off x="504000" y="1769040"/>
-            <a:ext cx="4426560" cy="4384080"/>
+            <a:off x="504000" y="1823760"/>
+            <a:ext cx="4427280" cy="4384080"/>
           </a:xfrm>
           <a:prstGeom prst="rect">
             <a:avLst/>
@@ -2162,8 +3321,8 @@
         </p:nvSpPr>
         <p:spPr>
           <a:xfrm>
-            <a:off x="5152320" y="1769040"/>
-            <a:ext cx="4426560" cy="2090880"/>
+            <a:off x="5153040" y="1823760"/>
+            <a:ext cx="4427280" cy="2090880"/>
           </a:xfrm>
           <a:prstGeom prst="rect">
             <a:avLst/>
@@ -2188,8 +3347,8 @@
         </p:nvSpPr>
         <p:spPr>
           <a:xfrm>
-            <a:off x="5152320" y="4059000"/>
-            <a:ext cx="4426560" cy="2090880"/>
+            <a:off x="5153040" y="4113720"/>
+            <a:ext cx="4427280" cy="2090880"/>
           </a:xfrm>
           <a:prstGeom prst="rect">
             <a:avLst/>
@@ -2236,8 +3395,8 @@
         </p:nvSpPr>
         <p:spPr>
           <a:xfrm>
-            <a:off x="504000" y="301320"/>
-            <a:ext cx="9071280" cy="1262520"/>
+            <a:off x="504000" y="287640"/>
+            <a:ext cx="9072720" cy="1248480"/>
           </a:xfrm>
           <a:prstGeom prst="rect">
             <a:avLst/>
@@ -2263,8 +3422,8 @@
         </p:nvSpPr>
         <p:spPr>
           <a:xfrm>
-            <a:off x="504000" y="1769040"/>
-            <a:ext cx="4426560" cy="2090880"/>
+            <a:off x="504000" y="1823760"/>
+            <a:ext cx="4427280" cy="2090880"/>
           </a:xfrm>
           <a:prstGeom prst="rect">
             <a:avLst/>
@@ -2289,8 +3448,8 @@
         </p:nvSpPr>
         <p:spPr>
           <a:xfrm>
-            <a:off x="5152320" y="1769040"/>
-            <a:ext cx="4426560" cy="2090880"/>
+            <a:off x="5153040" y="1823760"/>
+            <a:ext cx="4427280" cy="2090880"/>
           </a:xfrm>
           <a:prstGeom prst="rect">
             <a:avLst/>
@@ -2315,8 +3474,8 @@
         </p:nvSpPr>
         <p:spPr>
           <a:xfrm>
-            <a:off x="504000" y="4059000"/>
-            <a:ext cx="9071280" cy="2090880"/>
+            <a:off x="504000" y="4113720"/>
+            <a:ext cx="9072720" cy="2090880"/>
           </a:xfrm>
           <a:prstGeom prst="rect">
             <a:avLst/>
@@ -2364,7 +3523,7 @@
         <p:spPr>
           <a:xfrm>
             <a:off x="504000" y="301320"/>
-            <a:ext cx="9071280" cy="1262160"/>
+            <a:ext cx="9070920" cy="1262160"/>
           </a:xfrm>
           <a:prstGeom prst="rect">
             <a:avLst/>
@@ -2395,8 +3554,8 @@
         </p:nvSpPr>
         <p:spPr>
           <a:xfrm>
-            <a:off x="504000" y="1768680"/>
-            <a:ext cx="9072000" cy="4384080"/>
+            <a:off x="504000" y="1769040"/>
+            <a:ext cx="9070920" cy="4383720"/>
           </a:xfrm>
           <a:prstGeom prst="rect">
             <a:avLst/>
@@ -2411,7 +3570,7 @@
               <a:buChar char=""/>
             </a:pPr>
             <a:r>
-              <a:rPr lang="en-US" sz="3200">
+              <a:rPr lang="en-US">
                 <a:latin typeface="Arial"/>
               </a:rPr>
               <a:t>Click to edit the outline text format</a:t>
@@ -2425,7 +3584,7 @@
               <a:buChar char=""/>
             </a:pPr>
             <a:r>
-              <a:rPr lang="en-US" sz="2800">
+              <a:rPr lang="en-US">
                 <a:latin typeface="Arial"/>
               </a:rPr>
               <a:t>Second Outline Level</a:t>
@@ -2439,7 +3598,7 @@
               <a:buChar char=""/>
             </a:pPr>
             <a:r>
-              <a:rPr lang="en-US" sz="2400">
+              <a:rPr lang="en-US">
                 <a:latin typeface="Arial"/>
               </a:rPr>
               <a:t>Third Outline Level</a:t>
@@ -2453,7 +3612,7 @@
               <a:buChar char=""/>
             </a:pPr>
             <a:r>
-              <a:rPr lang="en-US" sz="2000">
+              <a:rPr lang="en-US">
                 <a:latin typeface="Arial"/>
               </a:rPr>
               <a:t>Fourth Outline Level</a:t>
@@ -2467,7 +3626,7 @@
               <a:buChar char=""/>
             </a:pPr>
             <a:r>
-              <a:rPr lang="en-US" sz="2000">
+              <a:rPr lang="en-US">
                 <a:latin typeface="Arial"/>
               </a:rPr>
               <a:t>Fifth Outline Level</a:t>
@@ -2481,7 +3640,7 @@
               <a:buChar char=""/>
             </a:pPr>
             <a:r>
-              <a:rPr lang="en-US" sz="2000">
+              <a:rPr lang="en-US">
                 <a:latin typeface="Arial"/>
               </a:rPr>
               <a:t>Sixth Outline Level</a:t>
@@ -2495,7 +3654,7 @@
               <a:buChar char=""/>
             </a:pPr>
             <a:r>
-              <a:rPr lang="en-US" sz="2000">
+              <a:rPr lang="en-US">
                 <a:latin typeface="Arial"/>
               </a:rPr>
               <a:t>Seventh Outline Level</a:t>
@@ -2554,7 +3713,7 @@
         <p:spPr>
           <a:xfrm>
             <a:off x="504000" y="301320"/>
-            <a:ext cx="9071280" cy="1262160"/>
+            <a:ext cx="9072000" cy="1261800"/>
           </a:xfrm>
           <a:prstGeom prst="rect">
             <a:avLst/>
@@ -2563,8 +3722,9 @@
         <p:txBody>
           <a:bodyPr lIns="0" rIns="0" tIns="0" bIns="0" anchor="ctr"/>
           <a:p>
-            <a:r>
-              <a:rPr lang="en-US">
+            <a:pPr algn="ctr"/>
+            <a:r>
+              <a:rPr lang="en-US" sz="4400">
                 <a:latin typeface="Arial"/>
               </a:rPr>
               <a:t>Click to edit the title text format</a:t>
@@ -2585,8 +3745,8 @@
         </p:nvSpPr>
         <p:spPr>
           <a:xfrm>
-            <a:off x="504000" y="1769040"/>
-            <a:ext cx="9071280" cy="4384080"/>
+            <a:off x="504000" y="1768680"/>
+            <a:ext cx="9072000" cy="4384080"/>
           </a:xfrm>
           <a:prstGeom prst="rect">
             <a:avLst/>
@@ -2601,7 +3761,7 @@
               <a:buChar char=""/>
             </a:pPr>
             <a:r>
-              <a:rPr lang="en-US">
+              <a:rPr lang="en-US" sz="3200">
                 <a:latin typeface="Arial"/>
               </a:rPr>
               <a:t>Click to edit the outline text format</a:t>
@@ -2615,7 +3775,7 @@
               <a:buChar char=""/>
             </a:pPr>
             <a:r>
-              <a:rPr lang="en-US">
+              <a:rPr lang="en-US" sz="2800">
                 <a:latin typeface="Arial"/>
               </a:rPr>
               <a:t>Second Outline Level</a:t>
@@ -2629,7 +3789,7 @@
               <a:buChar char=""/>
             </a:pPr>
             <a:r>
-              <a:rPr lang="en-US">
+              <a:rPr lang="en-US" sz="2400">
                 <a:latin typeface="Arial"/>
               </a:rPr>
               <a:t>Third Outline Level</a:t>
@@ -2643,7 +3803,7 @@
               <a:buChar char=""/>
             </a:pPr>
             <a:r>
-              <a:rPr lang="en-US">
+              <a:rPr lang="en-US" sz="2000">
                 <a:latin typeface="Arial"/>
               </a:rPr>
               <a:t>Fourth Outline Level</a:t>
@@ -2657,7 +3817,7 @@
               <a:buChar char=""/>
             </a:pPr>
             <a:r>
-              <a:rPr lang="en-US">
+              <a:rPr lang="en-US" sz="2000">
                 <a:latin typeface="Arial"/>
               </a:rPr>
               <a:t>Fifth Outline Level</a:t>
@@ -2671,7 +3831,7 @@
               <a:buChar char=""/>
             </a:pPr>
             <a:r>
-              <a:rPr lang="en-US">
+              <a:rPr lang="en-US" sz="2000">
                 <a:latin typeface="Arial"/>
               </a:rPr>
               <a:t>Sixth Outline Level</a:t>
@@ -2685,7 +3845,7 @@
               <a:buChar char=""/>
             </a:pPr>
             <a:r>
-              <a:rPr lang="en-US">
+              <a:rPr lang="en-US" sz="2000">
                 <a:latin typeface="Arial"/>
               </a:rPr>
               <a:t>Seventh Outline Level</a:t>
@@ -2710,6 +3870,329 @@
     <p:sldLayoutId id="2147483671" r:id="rId11"/>
     <p:sldLayoutId id="2147483672" r:id="rId12"/>
     <p:sldLayoutId id="2147483673" r:id="rId13"/>
+  </p:sldLayoutIdLst>
+</p:sldMaster>
+</file>
+
+<file path=ppt/slideMasters/slideMaster3.xml><?xml version="1.0" encoding="utf-8"?>
+<p:sldMaster xmlns:a="http://schemas.openxmlformats.org/drawingml/2006/main" xmlns:p="http://schemas.openxmlformats.org/presentationml/2006/main" xmlns:r="http://schemas.openxmlformats.org/officeDocument/2006/relationships">
+  <p:cSld>
+    <p:spTree>
+      <p:nvGrpSpPr>
+        <p:cNvPr id="1" name=""/>
+        <p:cNvGrpSpPr/>
+        <p:nvPr/>
+      </p:nvGrpSpPr>
+      <p:grpSpPr>
+        <a:xfrm>
+          <a:off x="0" y="0"/>
+          <a:ext cx="0" cy="0"/>
+          <a:chOff x="0" y="0"/>
+          <a:chExt cx="0" cy="0"/>
+        </a:xfrm>
+      </p:grpSpPr>
+      <p:pic>
+        <p:nvPicPr>
+          <p:cNvPr id="72" name="" descr=""/>
+          <p:cNvPicPr/>
+          <p:nvPr/>
+        </p:nvPicPr>
+        <p:blipFill>
+          <a:blip r:embed="rId2"/>
+          <a:stretch>
+            <a:fillRect/>
+          </a:stretch>
+        </p:blipFill>
+        <p:spPr>
+          <a:xfrm>
+            <a:off x="0" y="0"/>
+            <a:ext cx="10080360" cy="7559640"/>
+          </a:xfrm>
+          <a:prstGeom prst="rect">
+            <a:avLst/>
+          </a:prstGeom>
+          <a:ln>
+            <a:noFill/>
+          </a:ln>
+        </p:spPr>
+      </p:pic>
+      <p:sp>
+        <p:nvSpPr>
+          <p:cNvPr id="73" name="PlaceHolder 1"/>
+          <p:cNvSpPr>
+            <a:spLocks noGrp="1"/>
+          </p:cNvSpPr>
+          <p:nvPr>
+            <p:ph type="title"/>
+          </p:nvPr>
+        </p:nvSpPr>
+        <p:spPr>
+          <a:xfrm>
+            <a:off x="504000" y="287640"/>
+            <a:ext cx="9072720" cy="1248120"/>
+          </a:xfrm>
+          <a:prstGeom prst="rect">
+            <a:avLst/>
+          </a:prstGeom>
+        </p:spPr>
+        <p:txBody>
+          <a:bodyPr lIns="0" rIns="0" tIns="0" bIns="0" anchor="ctr"/>
+          <a:p>
+            <a:pPr algn="ctr"/>
+            <a:r>
+              <a:rPr lang="en-US" sz="4480">
+                <a:latin typeface="Arial"/>
+              </a:rPr>
+              <a:t>Click to edit the title text format</a:t>
+            </a:r>
+            <a:endParaRPr/>
+          </a:p>
+        </p:txBody>
+      </p:sp>
+      <p:sp>
+        <p:nvSpPr>
+          <p:cNvPr id="74" name="PlaceHolder 2"/>
+          <p:cNvSpPr>
+            <a:spLocks noGrp="1"/>
+          </p:cNvSpPr>
+          <p:nvPr>
+            <p:ph type="body"/>
+          </p:nvPr>
+        </p:nvSpPr>
+        <p:spPr>
+          <a:xfrm>
+            <a:off x="504000" y="1823760"/>
+            <a:ext cx="9072720" cy="4384080"/>
+          </a:xfrm>
+          <a:prstGeom prst="rect">
+            <a:avLst/>
+          </a:prstGeom>
+        </p:spPr>
+        <p:txBody>
+          <a:bodyPr lIns="0" rIns="0" tIns="0" bIns="0"/>
+          <a:p>
+            <a:pPr>
+              <a:buSzPct val="45000"/>
+              <a:buFont typeface="StarSymbol"/>
+              <a:buChar char=""/>
+            </a:pPr>
+            <a:r>
+              <a:rPr lang="en-US" sz="3470">
+                <a:latin typeface="Arial"/>
+              </a:rPr>
+              <a:t>Click to edit the outline text format</a:t>
+            </a:r>
+            <a:endParaRPr/>
+          </a:p>
+          <a:p>
+            <a:pPr lvl="1">
+              <a:buSzPct val="45000"/>
+              <a:buFont typeface="StarSymbol"/>
+              <a:buChar char=""/>
+            </a:pPr>
+            <a:r>
+              <a:rPr lang="en-US" sz="3040">
+                <a:latin typeface="Arial"/>
+              </a:rPr>
+              <a:t>Second Outline Level</a:t>
+            </a:r>
+            <a:endParaRPr/>
+          </a:p>
+          <a:p>
+            <a:pPr lvl="2">
+              <a:buSzPct val="75000"/>
+              <a:buFont typeface="StarSymbol"/>
+              <a:buChar char=""/>
+            </a:pPr>
+            <a:r>
+              <a:rPr lang="en-US" sz="2600">
+                <a:latin typeface="Arial"/>
+              </a:rPr>
+              <a:t>Third Outline Level</a:t>
+            </a:r>
+            <a:endParaRPr/>
+          </a:p>
+          <a:p>
+            <a:pPr lvl="3">
+              <a:buSzPct val="45000"/>
+              <a:buFont typeface="StarSymbol"/>
+              <a:buChar char=""/>
+            </a:pPr>
+            <a:r>
+              <a:rPr lang="en-US" sz="2170">
+                <a:latin typeface="Arial"/>
+              </a:rPr>
+              <a:t>Fourth Outline Level</a:t>
+            </a:r>
+            <a:endParaRPr/>
+          </a:p>
+          <a:p>
+            <a:pPr lvl="4">
+              <a:buSzPct val="75000"/>
+              <a:buFont typeface="StarSymbol"/>
+              <a:buChar char=""/>
+            </a:pPr>
+            <a:r>
+              <a:rPr lang="en-US" sz="2170">
+                <a:latin typeface="Arial"/>
+              </a:rPr>
+              <a:t>Fifth Outline Level</a:t>
+            </a:r>
+            <a:endParaRPr/>
+          </a:p>
+          <a:p>
+            <a:pPr lvl="5">
+              <a:buSzPct val="45000"/>
+              <a:buFont typeface="StarSymbol"/>
+              <a:buChar char=""/>
+            </a:pPr>
+            <a:r>
+              <a:rPr lang="en-US" sz="2170">
+                <a:latin typeface="Arial"/>
+              </a:rPr>
+              <a:t>Sixth Outline Level</a:t>
+            </a:r>
+            <a:endParaRPr/>
+          </a:p>
+          <a:p>
+            <a:pPr lvl="6">
+              <a:buSzPct val="45000"/>
+              <a:buFont typeface="StarSymbol"/>
+              <a:buChar char=""/>
+            </a:pPr>
+            <a:r>
+              <a:rPr lang="en-US" sz="2170">
+                <a:latin typeface="Arial"/>
+              </a:rPr>
+              <a:t>Seventh Outline Level</a:t>
+            </a:r>
+            <a:endParaRPr/>
+          </a:p>
+        </p:txBody>
+      </p:sp>
+      <p:sp>
+        <p:nvSpPr>
+          <p:cNvPr id="75" name="PlaceHolder 3"/>
+          <p:cNvSpPr>
+            <a:spLocks noGrp="1"/>
+          </p:cNvSpPr>
+          <p:nvPr>
+            <p:ph type="dt"/>
+          </p:nvPr>
+        </p:nvSpPr>
+        <p:spPr>
+          <a:xfrm>
+            <a:off x="504000" y="6886080"/>
+            <a:ext cx="2348280" cy="520920"/>
+          </a:xfrm>
+          <a:prstGeom prst="rect">
+            <a:avLst/>
+          </a:prstGeom>
+        </p:spPr>
+        <p:txBody>
+          <a:bodyPr lIns="0" rIns="0" tIns="0" bIns="0"/>
+          <a:p>
+            <a:r>
+              <a:rPr lang="en-US" sz="1400">
+                <a:solidFill>
+                  <a:srgbClr val="ffffff"/>
+                </a:solidFill>
+                <a:latin typeface="Times New Roman"/>
+              </a:rPr>
+              <a:t>&lt;date/time&gt;</a:t>
+            </a:r>
+            <a:endParaRPr/>
+          </a:p>
+        </p:txBody>
+      </p:sp>
+      <p:sp>
+        <p:nvSpPr>
+          <p:cNvPr id="76" name="PlaceHolder 4"/>
+          <p:cNvSpPr>
+            <a:spLocks noGrp="1"/>
+          </p:cNvSpPr>
+          <p:nvPr>
+            <p:ph type="ftr"/>
+          </p:nvPr>
+        </p:nvSpPr>
+        <p:spPr>
+          <a:xfrm>
+            <a:off x="3447000" y="6886080"/>
+            <a:ext cx="3195360" cy="520920"/>
+          </a:xfrm>
+          <a:prstGeom prst="rect">
+            <a:avLst/>
+          </a:prstGeom>
+        </p:spPr>
+        <p:txBody>
+          <a:bodyPr lIns="0" rIns="0" tIns="0" bIns="0"/>
+          <a:p>
+            <a:pPr algn="ctr"/>
+            <a:r>
+              <a:rPr lang="en-US" sz="1400">
+                <a:solidFill>
+                  <a:srgbClr val="ffffff"/>
+                </a:solidFill>
+                <a:latin typeface="Times New Roman"/>
+              </a:rPr>
+              <a:t>&lt;footer&gt;</a:t>
+            </a:r>
+            <a:endParaRPr/>
+          </a:p>
+        </p:txBody>
+      </p:sp>
+      <p:sp>
+        <p:nvSpPr>
+          <p:cNvPr id="77" name="PlaceHolder 5"/>
+          <p:cNvSpPr>
+            <a:spLocks noGrp="1"/>
+          </p:cNvSpPr>
+          <p:nvPr>
+            <p:ph type="sldNum"/>
+          </p:nvPr>
+        </p:nvSpPr>
+        <p:spPr>
+          <a:xfrm>
+            <a:off x="7227360" y="6886080"/>
+            <a:ext cx="2348280" cy="520920"/>
+          </a:xfrm>
+          <a:prstGeom prst="rect">
+            <a:avLst/>
+          </a:prstGeom>
+        </p:spPr>
+        <p:txBody>
+          <a:bodyPr lIns="0" rIns="0" tIns="0" bIns="0"/>
+          <a:p>
+            <a:pPr algn="r"/>
+            <a:fld id="{B67216F5-7225-4895-82A3-70A1AF989032}" type="slidenum">
+              <a:rPr lang="en-US" sz="1400">
+                <a:solidFill>
+                  <a:srgbClr val="ffffff"/>
+                </a:solidFill>
+                <a:latin typeface="Times New Roman"/>
+              </a:rPr>
+              <a:t>&lt;number&gt;</a:t>
+            </a:fld>
+            <a:endParaRPr/>
+          </a:p>
+        </p:txBody>
+      </p:sp>
+    </p:spTree>
+  </p:cSld>
+  <p:clrMap bg1="lt1" bg2="lt2" tx1="dk1" tx2="dk2" accent1="accent1" accent2="accent2" accent3="accent3" accent4="accent4" accent5="accent5" accent6="accent6" hlink="hlink" folHlink="folHlink"/>
+  <p:sldLayoutIdLst>
+    <p:sldLayoutId id="2147483675" r:id="rId3"/>
+    <p:sldLayoutId id="2147483676" r:id="rId4"/>
+    <p:sldLayoutId id="2147483677" r:id="rId5"/>
+    <p:sldLayoutId id="2147483678" r:id="rId6"/>
+    <p:sldLayoutId id="2147483679" r:id="rId7"/>
+    <p:sldLayoutId id="2147483680" r:id="rId8"/>
+    <p:sldLayoutId id="2147483681" r:id="rId9"/>
+    <p:sldLayoutId id="2147483682" r:id="rId10"/>
+    <p:sldLayoutId id="2147483683" r:id="rId11"/>
+    <p:sldLayoutId id="2147483684" r:id="rId12"/>
+    <p:sldLayoutId id="2147483685" r:id="rId13"/>
+    <p:sldLayoutId id="2147483686" r:id="rId14"/>
   </p:sldLayoutIdLst>
 </p:sldMaster>
 </file>
@@ -2733,14 +4216,14 @@
       </p:grpSpPr>
       <p:sp>
         <p:nvSpPr>
-          <p:cNvPr id="72" name="CustomShape 1"/>
+          <p:cNvPr id="112" name="CustomShape 1"/>
           <p:cNvSpPr/>
           <p:nvPr/>
         </p:nvSpPr>
         <p:spPr>
           <a:xfrm>
             <a:off x="504000" y="301320"/>
-            <a:ext cx="9071280" cy="1261800"/>
+            <a:ext cx="9070920" cy="1261440"/>
           </a:xfrm>
           <a:prstGeom prst="rect">
             <a:avLst/>
@@ -2773,14 +4256,14 @@
       </p:sp>
       <p:sp>
         <p:nvSpPr>
-          <p:cNvPr id="73" name="CustomShape 2"/>
+          <p:cNvPr id="113" name="CustomShape 2"/>
           <p:cNvSpPr/>
           <p:nvPr/>
         </p:nvSpPr>
         <p:spPr>
           <a:xfrm>
             <a:off x="548640" y="1828800"/>
-            <a:ext cx="9071280" cy="4384080"/>
+            <a:ext cx="9070920" cy="4383720"/>
           </a:xfrm>
           <a:prstGeom prst="rect">
             <a:avLst/>
@@ -2879,14 +4362,14 @@
       </p:grpSpPr>
       <p:sp>
         <p:nvSpPr>
-          <p:cNvPr id="74" name="CustomShape 1"/>
+          <p:cNvPr id="114" name="CustomShape 1"/>
           <p:cNvSpPr/>
           <p:nvPr/>
         </p:nvSpPr>
         <p:spPr>
           <a:xfrm>
             <a:off x="504000" y="301320"/>
-            <a:ext cx="9071280" cy="1261800"/>
+            <a:ext cx="9070920" cy="1261440"/>
           </a:xfrm>
           <a:prstGeom prst="rect">
             <a:avLst/>
@@ -2919,14 +4402,14 @@
       </p:sp>
       <p:sp>
         <p:nvSpPr>
-          <p:cNvPr id="75" name="CustomShape 2"/>
+          <p:cNvPr id="115" name="CustomShape 2"/>
           <p:cNvSpPr/>
           <p:nvPr/>
         </p:nvSpPr>
         <p:spPr>
           <a:xfrm>
             <a:off x="504000" y="1769040"/>
-            <a:ext cx="9071280" cy="4384080"/>
+            <a:ext cx="9070920" cy="4383720"/>
           </a:xfrm>
           <a:prstGeom prst="rect">
             <a:avLst/>
@@ -2938,6 +4421,14 @@
         </p:spPr>
         <p:txBody>
           <a:bodyPr lIns="0" rIns="0" tIns="0" bIns="0"/>
+          <a:p>
+            <a:pPr>
+              <a:lnSpc>
+                <a:spcPct val="100000"/>
+              </a:lnSpc>
+            </a:pPr>
+            <a:endParaRPr/>
+          </a:p>
           <a:p>
             <a:pPr>
               <a:lnSpc>
@@ -2947,6 +4438,15 @@
               <a:buFont typeface="StarSymbol"/>
               <a:buChar char="l"/>
             </a:pPr>
+            <a:r>
+              <a:rPr lang="en-US" sz="3200">
+                <a:solidFill>
+                  <a:srgbClr val="ffffff"/>
+                </a:solidFill>
+                <a:latin typeface="Arial"/>
+              </a:rPr>
+              <a:t>Prostorije</a:t>
+            </a:r>
             <a:endParaRPr/>
           </a:p>
           <a:p>
@@ -2965,7 +4465,7 @@
                 </a:solidFill>
                 <a:latin typeface="Arial"/>
               </a:rPr>
-              <a:t>Prostorije</a:t>
+              <a:t>Računari </a:t>
             </a:r>
             <a:endParaRPr/>
           </a:p>
@@ -2985,7 +4485,7 @@
                 </a:solidFill>
                 <a:latin typeface="Arial"/>
               </a:rPr>
-              <a:t>Računari </a:t>
+              <a:t>Internet</a:t>
             </a:r>
             <a:endParaRPr/>
           </a:p>
@@ -3005,7 +4505,7 @@
                 </a:solidFill>
                 <a:latin typeface="Arial"/>
               </a:rPr>
-              <a:t>Internet</a:t>
+              <a:t>Kancelarijski materijal</a:t>
             </a:r>
             <a:endParaRPr/>
           </a:p>
@@ -3025,7 +4525,7 @@
                 </a:solidFill>
                 <a:latin typeface="Arial"/>
               </a:rPr>
-              <a:t>Kancelarijski materijal</a:t>
+              <a:t>Serveri</a:t>
             </a:r>
             <a:endParaRPr/>
           </a:p>
@@ -3045,26 +4545,6 @@
                 </a:solidFill>
                 <a:latin typeface="Arial"/>
               </a:rPr>
-              <a:t>Serveri</a:t>
-            </a:r>
-            <a:endParaRPr/>
-          </a:p>
-          <a:p>
-            <a:pPr>
-              <a:lnSpc>
-                <a:spcPct val="100000"/>
-              </a:lnSpc>
-              <a:buSzPct val="45000"/>
-              <a:buFont typeface="StarSymbol"/>
-              <a:buChar char="l"/>
-            </a:pPr>
-            <a:r>
-              <a:rPr lang="en-US" sz="3200">
-                <a:solidFill>
-                  <a:srgbClr val="ffffff"/>
-                </a:solidFill>
-                <a:latin typeface="Arial"/>
-              </a:rPr>
               <a:t>Prevozna sredstva</a:t>
             </a:r>
             <a:endParaRPr/>
@@ -3073,18 +4553,22 @@
       </p:sp>
       <p:sp>
         <p:nvSpPr>
-          <p:cNvPr id="76" name="TextShape 3"/>
-          <p:cNvSpPr txBox="1"/>
+          <p:cNvPr id="116" name="CustomShape 3"/>
+          <p:cNvSpPr/>
           <p:nvPr/>
         </p:nvSpPr>
         <p:spPr>
           <a:xfrm>
             <a:off x="8778240" y="6675120"/>
-            <a:ext cx="587880" cy="385560"/>
-          </a:xfrm>
-          <a:prstGeom prst="rect">
-            <a:avLst/>
-          </a:prstGeom>
+            <a:ext cx="587520" cy="385200"/>
+          </a:xfrm>
+          <a:prstGeom prst="rect">
+            <a:avLst/>
+          </a:prstGeom>
+          <a:noFill/>
+          <a:ln>
+            <a:noFill/>
+          </a:ln>
         </p:spPr>
         <p:txBody>
           <a:bodyPr lIns="0" rIns="0" tIns="0" bIns="0" anchor="b"/>
@@ -3094,7 +4578,7 @@
                 <a:spcPct val="100000"/>
               </a:lnSpc>
             </a:pPr>
-            <a:fld id="{E5AEBC32-C883-46A4-B223-9E207CD27262}" type="slidenum">
+            <a:fld id="{75119FBE-1A23-415F-BF14-82425D0D24F7}" type="slidenum">
               <a:rPr lang="en-US" sz="1100">
                 <a:solidFill>
                   <a:srgbClr val="b13f9a"/>
@@ -3167,14 +4651,14 @@
       </p:grpSpPr>
       <p:sp>
         <p:nvSpPr>
-          <p:cNvPr id="77" name="CustomShape 1"/>
+          <p:cNvPr id="117" name="CustomShape 1"/>
           <p:cNvSpPr/>
           <p:nvPr/>
         </p:nvSpPr>
         <p:spPr>
           <a:xfrm>
             <a:off x="504000" y="301320"/>
-            <a:ext cx="9071280" cy="1261800"/>
+            <a:ext cx="9070920" cy="1261440"/>
           </a:xfrm>
           <a:prstGeom prst="rect">
             <a:avLst/>
@@ -3207,14 +4691,14 @@
       </p:sp>
       <p:sp>
         <p:nvSpPr>
-          <p:cNvPr id="78" name="CustomShape 2"/>
+          <p:cNvPr id="118" name="CustomShape 2"/>
           <p:cNvSpPr/>
           <p:nvPr/>
         </p:nvSpPr>
         <p:spPr>
           <a:xfrm>
             <a:off x="504000" y="1769040"/>
-            <a:ext cx="9071280" cy="4384080"/>
+            <a:ext cx="9070920" cy="4383720"/>
           </a:xfrm>
           <a:prstGeom prst="rect">
             <a:avLst/>
@@ -3338,18 +4822,22 @@
       </p:sp>
       <p:sp>
         <p:nvSpPr>
-          <p:cNvPr id="79" name="TextShape 3"/>
-          <p:cNvSpPr txBox="1"/>
+          <p:cNvPr id="119" name="CustomShape 3"/>
+          <p:cNvSpPr/>
           <p:nvPr/>
         </p:nvSpPr>
         <p:spPr>
           <a:xfrm>
             <a:off x="8778600" y="6675480"/>
-            <a:ext cx="587880" cy="385560"/>
-          </a:xfrm>
-          <a:prstGeom prst="rect">
-            <a:avLst/>
-          </a:prstGeom>
+            <a:ext cx="587520" cy="385200"/>
+          </a:xfrm>
+          <a:prstGeom prst="rect">
+            <a:avLst/>
+          </a:prstGeom>
+          <a:noFill/>
+          <a:ln>
+            <a:noFill/>
+          </a:ln>
         </p:spPr>
         <p:txBody>
           <a:bodyPr lIns="0" rIns="0" tIns="0" bIns="0" anchor="b"/>
@@ -3359,7 +4847,7 @@
                 <a:spcPct val="100000"/>
               </a:lnSpc>
             </a:pPr>
-            <a:fld id="{015797B7-D291-438B-AD6F-2DCC2705CD5A}" type="slidenum">
+            <a:fld id="{AA369F03-502F-45E9-990A-AF65E3D3EC6A}" type="slidenum">
               <a:rPr lang="en-US" sz="1100">
                 <a:solidFill>
                   <a:srgbClr val="b13f9a"/>
@@ -3432,23 +4920,31 @@
       </p:grpSpPr>
       <p:sp>
         <p:nvSpPr>
-          <p:cNvPr id="80" name="TextShape 1"/>
-          <p:cNvSpPr txBox="1"/>
+          <p:cNvPr id="120" name="CustomShape 1"/>
+          <p:cNvSpPr/>
           <p:nvPr/>
         </p:nvSpPr>
         <p:spPr>
           <a:xfrm>
             <a:off x="504000" y="301320"/>
-            <a:ext cx="9071280" cy="1262160"/>
-          </a:xfrm>
-          <a:prstGeom prst="rect">
-            <a:avLst/>
-          </a:prstGeom>
+            <a:ext cx="9070920" cy="1261800"/>
+          </a:xfrm>
+          <a:prstGeom prst="rect">
+            <a:avLst/>
+          </a:prstGeom>
+          <a:noFill/>
+          <a:ln>
+            <a:noFill/>
+          </a:ln>
         </p:spPr>
         <p:txBody>
           <a:bodyPr lIns="0" rIns="0" tIns="0" bIns="0" anchor="ctr"/>
           <a:p>
-            <a:pPr algn="ctr"/>
+            <a:pPr algn="ctr">
+              <a:lnSpc>
+                <a:spcPct val="100000"/>
+              </a:lnSpc>
+            </a:pPr>
             <a:r>
               <a:rPr lang="en-US" sz="4400">
                 <a:solidFill>
@@ -3456,37 +4952,22 @@
                 </a:solidFill>
                 <a:latin typeface="Arial"/>
               </a:rPr>
-              <a:t>PRVA</a:t>
-            </a:r>
-            <a:r>
-              <a:rPr lang="en-US" sz="4400">
-                <a:latin typeface="Arial"/>
-              </a:rPr>
-              <a:t> </a:t>
-            </a:r>
-            <a:r>
-              <a:rPr lang="en-US" sz="4400">
-                <a:solidFill>
-                  <a:srgbClr val="ffffff"/>
-                </a:solidFill>
-                <a:latin typeface="Arial"/>
-              </a:rPr>
-              <a:t>NEDELJA</a:t>
-            </a:r>
-            <a:endParaRPr/>
-          </a:p>
-        </p:txBody>
-      </p:sp>
-      <p:sp>
-        <p:nvSpPr>
-          <p:cNvPr id="81" name="CustomShape 2"/>
+              <a:t>PRVA NEDELJA</a:t>
+            </a:r>
+            <a:endParaRPr/>
+          </a:p>
+        </p:txBody>
+      </p:sp>
+      <p:sp>
+        <p:nvSpPr>
+          <p:cNvPr id="121" name="CustomShape 2"/>
           <p:cNvSpPr/>
           <p:nvPr/>
         </p:nvSpPr>
         <p:spPr>
           <a:xfrm>
             <a:off x="274320" y="1737360"/>
-            <a:ext cx="9071280" cy="4384080"/>
+            <a:ext cx="9070920" cy="4383720"/>
           </a:xfrm>
           <a:prstGeom prst="rect">
             <a:avLst/>
@@ -3630,18 +5111,22 @@
       </p:sp>
       <p:sp>
         <p:nvSpPr>
-          <p:cNvPr id="82" name="TextShape 3"/>
-          <p:cNvSpPr txBox="1"/>
+          <p:cNvPr id="122" name="CustomShape 3"/>
+          <p:cNvSpPr/>
           <p:nvPr/>
         </p:nvSpPr>
         <p:spPr>
           <a:xfrm>
             <a:off x="8778600" y="6675480"/>
-            <a:ext cx="587880" cy="385560"/>
-          </a:xfrm>
-          <a:prstGeom prst="rect">
-            <a:avLst/>
-          </a:prstGeom>
+            <a:ext cx="587520" cy="385200"/>
+          </a:xfrm>
+          <a:prstGeom prst="rect">
+            <a:avLst/>
+          </a:prstGeom>
+          <a:noFill/>
+          <a:ln>
+            <a:noFill/>
+          </a:ln>
         </p:spPr>
         <p:txBody>
           <a:bodyPr lIns="0" rIns="0" tIns="0" bIns="0" anchor="b"/>
@@ -3651,7 +5136,7 @@
                 <a:spcPct val="100000"/>
               </a:lnSpc>
             </a:pPr>
-            <a:fld id="{DF531710-BC19-4D5E-8799-171E5544529F}" type="slidenum">
+            <a:fld id="{6C45FE31-124B-46C9-9101-FA4FA0F6F68C}" type="slidenum">
               <a:rPr lang="en-US" sz="1100">
                 <a:solidFill>
                   <a:srgbClr val="b13f9a"/>
@@ -3724,23 +5209,31 @@
       </p:grpSpPr>
       <p:sp>
         <p:nvSpPr>
-          <p:cNvPr id="83" name="TextShape 1"/>
-          <p:cNvSpPr txBox="1"/>
+          <p:cNvPr id="123" name="CustomShape 1"/>
+          <p:cNvSpPr/>
           <p:nvPr/>
         </p:nvSpPr>
         <p:spPr>
           <a:xfrm>
             <a:off x="504000" y="301320"/>
-            <a:ext cx="9071280" cy="1262160"/>
-          </a:xfrm>
-          <a:prstGeom prst="rect">
-            <a:avLst/>
-          </a:prstGeom>
+            <a:ext cx="9070920" cy="1261800"/>
+          </a:xfrm>
+          <a:prstGeom prst="rect">
+            <a:avLst/>
+          </a:prstGeom>
+          <a:noFill/>
+          <a:ln>
+            <a:noFill/>
+          </a:ln>
         </p:spPr>
         <p:txBody>
           <a:bodyPr lIns="0" rIns="0" tIns="0" bIns="0" anchor="ctr"/>
           <a:p>
-            <a:pPr algn="ctr"/>
+            <a:pPr algn="ctr">
+              <a:lnSpc>
+                <a:spcPct val="100000"/>
+              </a:lnSpc>
+            </a:pPr>
             <a:r>
               <a:rPr lang="en-US" sz="4400">
                 <a:solidFill>
@@ -3756,14 +5249,14 @@
       </p:sp>
       <p:sp>
         <p:nvSpPr>
-          <p:cNvPr id="84" name="CustomShape 2"/>
+          <p:cNvPr id="124" name="CustomShape 2"/>
           <p:cNvSpPr/>
           <p:nvPr/>
         </p:nvSpPr>
         <p:spPr>
           <a:xfrm>
             <a:off x="529920" y="2103120"/>
-            <a:ext cx="9071280" cy="4384080"/>
+            <a:ext cx="9070920" cy="4383720"/>
           </a:xfrm>
           <a:prstGeom prst="rect">
             <a:avLst/>
@@ -3880,9 +5373,6 @@
               <a:lnSpc>
                 <a:spcPct val="100000"/>
               </a:lnSpc>
-              <a:buSzPct val="45000"/>
-              <a:buFont typeface="StarSymbol"/>
-              <a:buChar char="l"/>
             </a:pPr>
             <a:endParaRPr/>
           </a:p>
@@ -3898,18 +5388,22 @@
       </p:sp>
       <p:sp>
         <p:nvSpPr>
-          <p:cNvPr id="85" name="TextShape 3"/>
-          <p:cNvSpPr txBox="1"/>
+          <p:cNvPr id="125" name="CustomShape 3"/>
+          <p:cNvSpPr/>
           <p:nvPr/>
         </p:nvSpPr>
         <p:spPr>
           <a:xfrm>
             <a:off x="8778600" y="6675480"/>
-            <a:ext cx="587880" cy="385560"/>
-          </a:xfrm>
-          <a:prstGeom prst="rect">
-            <a:avLst/>
-          </a:prstGeom>
+            <a:ext cx="587520" cy="385200"/>
+          </a:xfrm>
+          <a:prstGeom prst="rect">
+            <a:avLst/>
+          </a:prstGeom>
+          <a:noFill/>
+          <a:ln>
+            <a:noFill/>
+          </a:ln>
         </p:spPr>
         <p:txBody>
           <a:bodyPr lIns="0" rIns="0" tIns="0" bIns="0" anchor="b"/>
@@ -3919,7 +5413,7 @@
                 <a:spcPct val="100000"/>
               </a:lnSpc>
             </a:pPr>
-            <a:fld id="{3B32D475-0FEE-45E3-945B-ACD7FB795338}" type="slidenum">
+            <a:fld id="{976D2501-ACE0-45CC-A677-BE49739C96A7}" type="slidenum">
               <a:rPr lang="en-US" sz="1100">
                 <a:solidFill>
                   <a:srgbClr val="b13f9a"/>
@@ -3992,23 +5486,31 @@
       </p:grpSpPr>
       <p:sp>
         <p:nvSpPr>
-          <p:cNvPr id="86" name="TextShape 1"/>
-          <p:cNvSpPr txBox="1"/>
+          <p:cNvPr id="126" name="CustomShape 1"/>
+          <p:cNvSpPr/>
           <p:nvPr/>
         </p:nvSpPr>
         <p:spPr>
           <a:xfrm>
             <a:off x="504000" y="301320"/>
-            <a:ext cx="9071280" cy="1262160"/>
-          </a:xfrm>
-          <a:prstGeom prst="rect">
-            <a:avLst/>
-          </a:prstGeom>
+            <a:ext cx="9070920" cy="1261800"/>
+          </a:xfrm>
+          <a:prstGeom prst="rect">
+            <a:avLst/>
+          </a:prstGeom>
+          <a:noFill/>
+          <a:ln>
+            <a:noFill/>
+          </a:ln>
         </p:spPr>
         <p:txBody>
           <a:bodyPr lIns="0" rIns="0" tIns="0" bIns="0" anchor="ctr"/>
           <a:p>
-            <a:pPr algn="ctr"/>
+            <a:pPr algn="ctr">
+              <a:lnSpc>
+                <a:spcPct val="100000"/>
+              </a:lnSpc>
+            </a:pPr>
             <a:r>
               <a:rPr lang="en-US" sz="4400">
                 <a:solidFill>
@@ -4024,14 +5526,14 @@
       </p:sp>
       <p:sp>
         <p:nvSpPr>
-          <p:cNvPr id="87" name="CustomShape 2"/>
+          <p:cNvPr id="127" name="CustomShape 2"/>
           <p:cNvSpPr/>
           <p:nvPr/>
         </p:nvSpPr>
         <p:spPr>
           <a:xfrm>
             <a:off x="374760" y="2405520"/>
-            <a:ext cx="9071280" cy="4384080"/>
+            <a:ext cx="9070920" cy="4383720"/>
           </a:xfrm>
           <a:prstGeom prst="rect">
             <a:avLst/>
@@ -4128,9 +5630,6 @@
               <a:lnSpc>
                 <a:spcPct val="100000"/>
               </a:lnSpc>
-              <a:buSzPct val="45000"/>
-              <a:buFont typeface="StarSymbol"/>
-              <a:buChar char="l"/>
             </a:pPr>
             <a:endParaRPr/>
           </a:p>
@@ -4146,18 +5645,22 @@
       </p:sp>
       <p:sp>
         <p:nvSpPr>
-          <p:cNvPr id="88" name="TextShape 3"/>
-          <p:cNvSpPr txBox="1"/>
+          <p:cNvPr id="128" name="CustomShape 3"/>
+          <p:cNvSpPr/>
           <p:nvPr/>
         </p:nvSpPr>
         <p:spPr>
           <a:xfrm>
             <a:off x="8778600" y="6675480"/>
-            <a:ext cx="587880" cy="385560"/>
-          </a:xfrm>
-          <a:prstGeom prst="rect">
-            <a:avLst/>
-          </a:prstGeom>
+            <a:ext cx="587520" cy="385200"/>
+          </a:xfrm>
+          <a:prstGeom prst="rect">
+            <a:avLst/>
+          </a:prstGeom>
+          <a:noFill/>
+          <a:ln>
+            <a:noFill/>
+          </a:ln>
         </p:spPr>
         <p:txBody>
           <a:bodyPr lIns="0" rIns="0" tIns="0" bIns="0" anchor="b"/>
@@ -4167,7 +5670,7 @@
                 <a:spcPct val="100000"/>
               </a:lnSpc>
             </a:pPr>
-            <a:fld id="{C7A9DA26-663E-4B64-B90E-F91FCA5E3EB1}" type="slidenum">
+            <a:fld id="{422E3263-5026-4907-8B48-7FFFF33FDEDD}" type="slidenum">
               <a:rPr lang="en-US" sz="1100">
                 <a:solidFill>
                   <a:srgbClr val="b13f9a"/>
@@ -4665,4 +6168,227 @@
     </a:fmtScheme>
   </a:themeElements>
 </a:theme>
+</file>
+
+<file path=ppt/theme/theme3.xml><?xml version="1.0" encoding="utf-8"?>
+<a:theme xmlns:a="http://schemas.openxmlformats.org/drawingml/2006/main" name="Office Theme">
+  <a:themeElements>
+    <a:clrScheme name="Office">
+      <a:dk1>
+        <a:sysClr val="windowText" lastClr="000000"/>
+      </a:dk1>
+      <a:lt1>
+        <a:sysClr val="window" lastClr="FFFFFF"/>
+      </a:lt1>
+      <a:dk2>
+        <a:srgbClr val="1F497D"/>
+      </a:dk2>
+      <a:lt2>
+        <a:srgbClr val="EEECE1"/>
+      </a:lt2>
+      <a:accent1>
+        <a:srgbClr val="4F81BD"/>
+      </a:accent1>
+      <a:accent2>
+        <a:srgbClr val="C0504D"/>
+      </a:accent2>
+      <a:accent3>
+        <a:srgbClr val="9BBB59"/>
+      </a:accent3>
+      <a:accent4>
+        <a:srgbClr val="8064A2"/>
+      </a:accent4>
+      <a:accent5>
+        <a:srgbClr val="4BACC6"/>
+      </a:accent5>
+      <a:accent6>
+        <a:srgbClr val="F79646"/>
+      </a:accent6>
+      <a:hlink>
+        <a:srgbClr val="0000FF"/>
+      </a:hlink>
+      <a:folHlink>
+        <a:srgbClr val="800080"/>
+      </a:folHlink>
+    </a:clrScheme>
+    <a:fontScheme name="Office">
+      <a:majorFont>
+        <a:latin typeface="Arial"/>
+        <a:ea typeface="DejaVu Sans"/>
+        <a:cs typeface="DejaVu Sans"/>
+      </a:majorFont>
+      <a:minorFont>
+        <a:latin typeface="Arial"/>
+        <a:ea typeface="DejaVu Sans"/>
+        <a:cs typeface="DejaVu Sans"/>
+      </a:minorFont>
+    </a:fontScheme>
+    <a:fmtScheme name="Office">
+      <a:fillStyleLst>
+        <a:solidFill>
+          <a:schemeClr val="phClr"/>
+        </a:solidFill>
+        <a:gradFill rotWithShape="1">
+          <a:gsLst>
+            <a:gs pos="0">
+              <a:schemeClr val="phClr">
+                <a:tint val="50000"/>
+                <a:satMod val="300000"/>
+              </a:schemeClr>
+            </a:gs>
+            <a:gs pos="35000">
+              <a:schemeClr val="phClr">
+                <a:tint val="37000"/>
+                <a:satMod val="300000"/>
+              </a:schemeClr>
+            </a:gs>
+            <a:gs pos="100000">
+              <a:schemeClr val="phClr">
+                <a:tint val="15000"/>
+                <a:satMod val="350000"/>
+              </a:schemeClr>
+            </a:gs>
+          </a:gsLst>
+          <a:lin ang="16200000" scaled="1"/>
+        </a:gradFill>
+        <a:gradFill rotWithShape="1">
+          <a:gsLst>
+            <a:gs pos="0">
+              <a:schemeClr val="phClr">
+                <a:shade val="51000"/>
+                <a:satMod val="130000"/>
+              </a:schemeClr>
+            </a:gs>
+            <a:gs pos="80000">
+              <a:schemeClr val="phClr">
+                <a:shade val="93000"/>
+                <a:satMod val="130000"/>
+              </a:schemeClr>
+            </a:gs>
+            <a:gs pos="100000">
+              <a:schemeClr val="phClr">
+                <a:shade val="94000"/>
+                <a:satMod val="135000"/>
+              </a:schemeClr>
+            </a:gs>
+          </a:gsLst>
+          <a:lin ang="16200000" scaled="0"/>
+        </a:gradFill>
+      </a:fillStyleLst>
+      <a:lnStyleLst>
+        <a:ln w="9525" cap="flat" cmpd="sng" algn="ctr">
+          <a:solidFill>
+            <a:schemeClr val="phClr">
+              <a:shade val="95000"/>
+              <a:satMod val="105000"/>
+            </a:schemeClr>
+          </a:solidFill>
+          <a:prstDash val="solid"/>
+        </a:ln>
+        <a:ln w="25400" cap="flat" cmpd="sng" algn="ctr">
+          <a:solidFill>
+            <a:schemeClr val="phClr"/>
+          </a:solidFill>
+          <a:prstDash val="solid"/>
+        </a:ln>
+        <a:ln w="38100" cap="flat" cmpd="sng" algn="ctr">
+          <a:solidFill>
+            <a:schemeClr val="phClr"/>
+          </a:solidFill>
+          <a:prstDash val="solid"/>
+        </a:ln>
+      </a:lnStyleLst>
+      <a:effectStyleLst>
+        <a:effectStyle>
+          <a:effectLst>
+            <a:outerShdw blurRad="40000" dist="20000" dir="5400000" rotWithShape="0">
+              <a:srgbClr val="000000">
+                <a:alpha val="38000"/>
+              </a:srgbClr>
+            </a:outerShdw>
+          </a:effectLst>
+        </a:effectStyle>
+        <a:effectStyle>
+          <a:effectLst>
+            <a:outerShdw blurRad="40000" dist="23000" dir="5400000" rotWithShape="0">
+              <a:srgbClr val="000000">
+                <a:alpha val="35000"/>
+              </a:srgbClr>
+            </a:outerShdw>
+          </a:effectLst>
+        </a:effectStyle>
+        <a:effectStyle>
+          <a:effectLst>
+            <a:outerShdw blurRad="40000" dist="23000" dir="5400000" rotWithShape="0">
+              <a:srgbClr val="000000">
+                <a:alpha val="35000"/>
+              </a:srgbClr>
+            </a:outerShdw>
+          </a:effectLst>
+          <a:scene3d>
+            <a:camera prst="orthographicFront">
+              <a:rot lat="0" lon="0" rev="0"/>
+            </a:camera>
+            <a:lightRig rig="threePt" dir="t">
+              <a:rot lat="0" lon="0" rev="1200000"/>
+            </a:lightRig>
+          </a:scene3d>
+          <a:sp3d>
+            <a:bevelT w="63500" h="25400"/>
+          </a:sp3d>
+        </a:effectStyle>
+      </a:effectStyleLst>
+      <a:bgFillStyleLst>
+        <a:solidFill>
+          <a:schemeClr val="phClr"/>
+        </a:solidFill>
+        <a:gradFill rotWithShape="1">
+          <a:gsLst>
+            <a:gs pos="0">
+              <a:schemeClr val="phClr">
+                <a:tint val="40000"/>
+                <a:satMod val="350000"/>
+              </a:schemeClr>
+            </a:gs>
+            <a:gs pos="40000">
+              <a:schemeClr val="phClr">
+                <a:tint val="45000"/>
+                <a:shade val="99000"/>
+                <a:satMod val="350000"/>
+              </a:schemeClr>
+            </a:gs>
+            <a:gs pos="100000">
+              <a:schemeClr val="phClr">
+                <a:shade val="20000"/>
+                <a:satMod val="255000"/>
+              </a:schemeClr>
+            </a:gs>
+          </a:gsLst>
+          <a:path path="circle">
+            <a:fillToRect l="50000" t="-80000" r="50000" b="180000"/>
+          </a:path>
+        </a:gradFill>
+        <a:gradFill rotWithShape="1">
+          <a:gsLst>
+            <a:gs pos="0">
+              <a:schemeClr val="phClr">
+                <a:tint val="80000"/>
+                <a:satMod val="300000"/>
+              </a:schemeClr>
+            </a:gs>
+            <a:gs pos="100000">
+              <a:schemeClr val="phClr">
+                <a:shade val="30000"/>
+                <a:satMod val="200000"/>
+              </a:schemeClr>
+            </a:gs>
+          </a:gsLst>
+          <a:path path="circle">
+            <a:fillToRect l="50000" t="50000" r="50000" b="50000"/>
+          </a:path>
+        </a:gradFill>
+      </a:bgFillStyleLst>
+    </a:fmtScheme>
+  </a:themeElements>
+</a:theme>
 </file>